--- a/doc/02_SlideShare/01.ネタ/２_Reactの基礎/2-1_Reactの基礎知識 ～JSX編～.pptx
+++ b/doc/02_SlideShare/01.ネタ/２_Reactの基礎/2-1_Reactの基礎知識 ～JSX編～.pptx
@@ -217,7 +217,7 @@
           <a:p>
             <a:fld id="{2FA7D4A1-D6E2-4B97-8DF5-43A2A6E9364B}" type="datetimeFigureOut">
               <a:rPr kumimoji="1" lang="ja-JP" altLang="en-US" smtClean="0"/>
-              <a:t>2019/2/27</a:t>
+              <a:t>2019/2/28</a:t>
             </a:fld>
             <a:endParaRPr kumimoji="1" lang="ja-JP" altLang="en-US"/>
           </a:p>
@@ -684,7 +684,7 @@
           <a:p>
             <a:fld id="{2FA7D4A1-D6E2-4B97-8DF5-43A2A6E9364B}" type="datetimeFigureOut">
               <a:rPr kumimoji="1" lang="ja-JP" altLang="en-US" smtClean="0"/>
-              <a:t>2019/2/27</a:t>
+              <a:t>2019/2/28</a:t>
             </a:fld>
             <a:endParaRPr kumimoji="1" lang="ja-JP" altLang="en-US"/>
           </a:p>
@@ -1124,7 +1124,7 @@
           <a:p>
             <a:fld id="{2FA7D4A1-D6E2-4B97-8DF5-43A2A6E9364B}" type="datetimeFigureOut">
               <a:rPr kumimoji="1" lang="ja-JP" altLang="en-US" smtClean="0"/>
-              <a:t>2019/2/27</a:t>
+              <a:t>2019/2/28</a:t>
             </a:fld>
             <a:endParaRPr kumimoji="1" lang="ja-JP" altLang="en-US"/>
           </a:p>
@@ -1249,7 +1249,7 @@
           <a:p>
             <a:fld id="{2FA7D4A1-D6E2-4B97-8DF5-43A2A6E9364B}" type="datetimeFigureOut">
               <a:rPr kumimoji="1" lang="ja-JP" altLang="en-US" smtClean="0"/>
-              <a:t>2019/2/27</a:t>
+              <a:t>2019/2/28</a:t>
             </a:fld>
             <a:endParaRPr kumimoji="1" lang="ja-JP" altLang="en-US"/>
           </a:p>
@@ -1481,7 +1481,7 @@
           <a:p>
             <a:fld id="{2FA7D4A1-D6E2-4B97-8DF5-43A2A6E9364B}" type="datetimeFigureOut">
               <a:rPr kumimoji="1" lang="ja-JP" altLang="en-US" smtClean="0"/>
-              <a:t>2019/2/27</a:t>
+              <a:t>2019/2/28</a:t>
             </a:fld>
             <a:endParaRPr kumimoji="1" lang="ja-JP" altLang="en-US"/>
           </a:p>
@@ -1717,7 +1717,7 @@
                 </a:solidFill>
               </a:rPr>
               <a:pPr/>
-              <a:t>2/27/2019</a:t>
+              <a:t>2/28/2019</a:t>
             </a:fld>
             <a:endParaRPr lang="en-US" dirty="0">
               <a:solidFill>
@@ -2012,7 +2012,7 @@
           <a:p>
             <a:fld id="{2FA7D4A1-D6E2-4B97-8DF5-43A2A6E9364B}" type="datetimeFigureOut">
               <a:rPr kumimoji="1" lang="ja-JP" altLang="en-US" smtClean="0"/>
-              <a:t>2019/2/27</a:t>
+              <a:t>2019/2/28</a:t>
             </a:fld>
             <a:endParaRPr kumimoji="1" lang="ja-JP" altLang="en-US"/>
           </a:p>
@@ -2788,17 +2788,7 @@
                 <a:latin typeface="ＭＳ Ｐゴシック" panose="020B0600070205080204" pitchFamily="50" charset="-128"/>
                 <a:ea typeface="ＭＳ Ｐゴシック" panose="020B0600070205080204" pitchFamily="50" charset="-128"/>
               </a:rPr>
-              <a:t>ReactDOM.render</a:t>
-            </a:r>
-            <a:r>
-              <a:rPr lang="en-US" altLang="ja-JP" dirty="0" smtClean="0">
-                <a:solidFill>
-                  <a:schemeClr val="bg1"/>
-                </a:solidFill>
-                <a:latin typeface="ＭＳ Ｐゴシック" panose="020B0600070205080204" pitchFamily="50" charset="-128"/>
-                <a:ea typeface="ＭＳ Ｐゴシック" panose="020B0600070205080204" pitchFamily="50" charset="-128"/>
-              </a:rPr>
-              <a:t>(</a:t>
+              <a:t>ReactDOM.render(</a:t>
             </a:r>
           </a:p>
           <a:p>
@@ -3145,11 +3135,7 @@
             </a:r>
             <a:r>
               <a:rPr lang="ja-JP" altLang="en-US" sz="2400" dirty="0" smtClean="0"/>
-              <a:t>構文</a:t>
-            </a:r>
-            <a:r>
-              <a:rPr lang="ja-JP" altLang="en-US" sz="2400" dirty="0" smtClean="0"/>
-              <a:t>です。</a:t>
+              <a:t>構文です。</a:t>
             </a:r>
             <a:endParaRPr lang="en-US" altLang="ja-JP" sz="2400" dirty="0" smtClean="0"/>
           </a:p>
@@ -3180,11 +3166,7 @@
             </a:r>
             <a:r>
               <a:rPr lang="ja-JP" altLang="en-US" sz="2400" dirty="0" smtClean="0"/>
-              <a:t>のようなタグ形式の記述を行うことが</a:t>
-            </a:r>
-            <a:r>
-              <a:rPr lang="ja-JP" altLang="en-US" sz="2400" dirty="0" smtClean="0"/>
-              <a:t>できます。</a:t>
+              <a:t>のようなタグ形式の記述を行うことができます。</a:t>
             </a:r>
             <a:endParaRPr lang="en-US" altLang="ja-JP" sz="2400" dirty="0"/>
           </a:p>
@@ -3507,25 +3489,8 @@
                 <a:latin typeface="ＭＳ Ｐゴシック" panose="020B0600070205080204" pitchFamily="50" charset="-128"/>
                 <a:ea typeface="ＭＳ Ｐゴシック" panose="020B0600070205080204" pitchFamily="50" charset="-128"/>
               </a:rPr>
-              <a:t>  </a:t>
-            </a:r>
-            <a:r>
-              <a:rPr lang="en-US" altLang="ja-JP" dirty="0">
-                <a:solidFill>
-                  <a:schemeClr val="bg1"/>
-                </a:solidFill>
-                <a:latin typeface="ＭＳ Ｐゴシック" panose="020B0600070205080204" pitchFamily="50" charset="-128"/>
-                <a:ea typeface="ＭＳ Ｐゴシック" panose="020B0600070205080204" pitchFamily="50" charset="-128"/>
-              </a:rPr>
-              <a:t>React.createElement(‘div', null, 'Hello!!'),</a:t>
-            </a:r>
-            <a:endParaRPr lang="en-US" altLang="ja-JP" dirty="0">
-              <a:solidFill>
-                <a:schemeClr val="bg1"/>
-              </a:solidFill>
-              <a:latin typeface="ＭＳ Ｐゴシック" panose="020B0600070205080204" pitchFamily="50" charset="-128"/>
-              <a:ea typeface="ＭＳ Ｐゴシック" panose="020B0600070205080204" pitchFamily="50" charset="-128"/>
-            </a:endParaRPr>
+              <a:t>  React.createElement(‘div', null, 'Hello!!'),</a:t>
+            </a:r>
           </a:p>
           <a:p>
             <a:r>
@@ -3777,18 +3742,7 @@
                   </a:schemeClr>
                 </a:solidFill>
               </a:rPr>
-              <a:t>に変換</a:t>
-            </a:r>
-            <a:r>
-              <a:rPr lang="ja-JP" altLang="en-US" dirty="0" smtClean="0">
-                <a:solidFill>
-                  <a:schemeClr val="tx1">
-                    <a:lumMod val="85000"/>
-                    <a:lumOff val="15000"/>
-                  </a:schemeClr>
-                </a:solidFill>
-              </a:rPr>
-              <a:t>されます。</a:t>
+              <a:t>に変換されます。</a:t>
             </a:r>
             <a:endParaRPr lang="en-US" altLang="ja-JP" dirty="0" smtClean="0">
               <a:solidFill>
@@ -4146,11 +4100,7 @@
           <a:p>
             <a:r>
               <a:rPr lang="ja-JP" altLang="en-US" sz="2400" dirty="0" smtClean="0"/>
-              <a:t>可読性が悪く</a:t>
-            </a:r>
-            <a:r>
-              <a:rPr lang="ja-JP" altLang="en-US" sz="2400" dirty="0" smtClean="0"/>
-              <a:t>なるため、</a:t>
+              <a:t>可読性が悪くなるため、</a:t>
             </a:r>
             <a:r>
               <a:rPr lang="en-US" altLang="ja-JP" sz="2400" dirty="0" smtClean="0"/>
@@ -5058,6 +5008,52 @@
               <a:t>使用</a:t>
             </a:r>
             <a:endParaRPr kumimoji="1" lang="ja-JP" altLang="en-US" sz="2400" dirty="0"/>
+          </a:p>
+        </p:txBody>
+      </p:sp>
+      <p:sp>
+        <p:nvSpPr>
+          <p:cNvPr id="14" name="右矢印 13"/>
+          <p:cNvSpPr/>
+          <p:nvPr/>
+        </p:nvSpPr>
+        <p:spPr>
+          <a:xfrm>
+            <a:off x="5411881" y="4602647"/>
+            <a:ext cx="1208849" cy="910817"/>
+          </a:xfrm>
+          <a:prstGeom prst="rightArrow">
+            <a:avLst>
+              <a:gd name="adj1" fmla="val 50000"/>
+              <a:gd name="adj2" fmla="val 64084"/>
+            </a:avLst>
+          </a:prstGeom>
+          <a:solidFill>
+            <a:srgbClr val="3399FF"/>
+          </a:solidFill>
+        </p:spPr>
+        <p:style>
+          <a:lnRef idx="2">
+            <a:schemeClr val="accent1">
+              <a:shade val="50000"/>
+            </a:schemeClr>
+          </a:lnRef>
+          <a:fillRef idx="1">
+            <a:schemeClr val="accent1"/>
+          </a:fillRef>
+          <a:effectRef idx="0">
+            <a:schemeClr val="accent1"/>
+          </a:effectRef>
+          <a:fontRef idx="minor">
+            <a:schemeClr val="lt1"/>
+          </a:fontRef>
+        </p:style>
+        <p:txBody>
+          <a:bodyPr rtlCol="0" anchor="ctr"/>
+          <a:lstStyle/>
+          <a:p>
+            <a:pPr algn="ctr"/>
+            <a:endParaRPr kumimoji="1" lang="ja-JP" altLang="en-US"/>
           </a:p>
         </p:txBody>
       </p:sp>
@@ -5731,11 +5727,7 @@
             </a:r>
             <a:r>
               <a:rPr lang="ja-JP" altLang="en-US" sz="2400" dirty="0" smtClean="0"/>
-              <a:t>では、最上位の階層に複数の要素を並列配置することは</a:t>
-            </a:r>
-            <a:r>
-              <a:rPr lang="ja-JP" altLang="en-US" sz="2400" dirty="0" smtClean="0"/>
-              <a:t>できません。</a:t>
+              <a:t>では、最上位の階層に複数の要素を並列配置することはできません。</a:t>
             </a:r>
             <a:endParaRPr lang="en-US" altLang="ja-JP" sz="2400" dirty="0"/>
           </a:p>
@@ -6341,18 +6333,7 @@
                   </a:schemeClr>
                 </a:solidFill>
               </a:rPr>
-              <a:t>タグなどで囲むことにより、最上位の階層が単一となり、複数の要素を並列配置することが</a:t>
-            </a:r>
-            <a:r>
-              <a:rPr lang="ja-JP" altLang="en-US" dirty="0" smtClean="0">
-                <a:solidFill>
-                  <a:schemeClr val="tx1">
-                    <a:lumMod val="85000"/>
-                    <a:lumOff val="15000"/>
-                  </a:schemeClr>
-                </a:solidFill>
-              </a:rPr>
-              <a:t>できます。</a:t>
+              <a:t>タグなどで囲むことにより、最上位の階層が単一となり、複数の要素を並列配置することができます。</a:t>
             </a:r>
             <a:endParaRPr lang="en-US" altLang="ja-JP" dirty="0" smtClean="0">
               <a:solidFill>
@@ -6734,17 +6715,7 @@
                   <a:latin typeface="ＭＳ Ｐゴシック" panose="020B0600070205080204" pitchFamily="50" charset="-128"/>
                   <a:ea typeface="ＭＳ Ｐゴシック" panose="020B0600070205080204" pitchFamily="50" charset="-128"/>
                 </a:rPr>
-                <a:t>ReactDOM.render</a:t>
-              </a:r>
-              <a:r>
-                <a:rPr lang="en-US" altLang="ja-JP" dirty="0" smtClean="0">
-                  <a:solidFill>
-                    <a:schemeClr val="bg1"/>
-                  </a:solidFill>
-                  <a:latin typeface="ＭＳ Ｐゴシック" panose="020B0600070205080204" pitchFamily="50" charset="-128"/>
-                  <a:ea typeface="ＭＳ Ｐゴシック" panose="020B0600070205080204" pitchFamily="50" charset="-128"/>
-                </a:rPr>
-                <a:t>(</a:t>
+                <a:t>ReactDOM.render(</a:t>
               </a:r>
             </a:p>
             <a:p>
@@ -6756,17 +6727,7 @@
                   <a:latin typeface="ＭＳ Ｐゴシック" panose="020B0600070205080204" pitchFamily="50" charset="-128"/>
                   <a:ea typeface="ＭＳ Ｐゴシック" panose="020B0600070205080204" pitchFamily="50" charset="-128"/>
                 </a:rPr>
-                <a:t>  </a:t>
-              </a:r>
-              <a:r>
-                <a:rPr lang="en-US" altLang="ja-JP" dirty="0" smtClean="0">
-                  <a:solidFill>
-                    <a:schemeClr val="bg1"/>
-                  </a:solidFill>
-                  <a:latin typeface="ＭＳ Ｐゴシック" panose="020B0600070205080204" pitchFamily="50" charset="-128"/>
-                  <a:ea typeface="ＭＳ Ｐゴシック" panose="020B0600070205080204" pitchFamily="50" charset="-128"/>
-                </a:rPr>
-                <a:t>&lt;</a:t>
+                <a:t>  &lt;</a:t>
               </a:r>
               <a:r>
                 <a:rPr lang="en-US" altLang="ja-JP" dirty="0">
@@ -6788,13 +6749,6 @@
                 </a:rPr>
                 <a:t> class=“sampleText”&gt;Hello&lt;/p&gt;,</a:t>
               </a:r>
-              <a:endParaRPr lang="en-US" altLang="ja-JP" dirty="0" smtClean="0">
-                <a:solidFill>
-                  <a:schemeClr val="bg1"/>
-                </a:solidFill>
-                <a:latin typeface="ＭＳ Ｐゴシック" panose="020B0600070205080204" pitchFamily="50" charset="-128"/>
-                <a:ea typeface="ＭＳ Ｐゴシック" panose="020B0600070205080204" pitchFamily="50" charset="-128"/>
-              </a:endParaRPr>
             </a:p>
             <a:p>
               <a:r>
@@ -7146,17 +7100,7 @@
                   <a:latin typeface="ＭＳ Ｐゴシック" panose="020B0600070205080204" pitchFamily="50" charset="-128"/>
                   <a:ea typeface="ＭＳ Ｐゴシック" panose="020B0600070205080204" pitchFamily="50" charset="-128"/>
                 </a:rPr>
-                <a:t>ReactDOM.render</a:t>
-              </a:r>
-              <a:r>
-                <a:rPr lang="en-US" altLang="ja-JP" dirty="0" smtClean="0">
-                  <a:solidFill>
-                    <a:schemeClr val="bg1"/>
-                  </a:solidFill>
-                  <a:latin typeface="ＭＳ Ｐゴシック" panose="020B0600070205080204" pitchFamily="50" charset="-128"/>
-                  <a:ea typeface="ＭＳ Ｐゴシック" panose="020B0600070205080204" pitchFamily="50" charset="-128"/>
-                </a:rPr>
-                <a:t>(</a:t>
+                <a:t>ReactDOM.render(</a:t>
               </a:r>
             </a:p>
             <a:p>
@@ -7168,17 +7112,7 @@
                   <a:latin typeface="ＭＳ Ｐゴシック" panose="020B0600070205080204" pitchFamily="50" charset="-128"/>
                   <a:ea typeface="ＭＳ Ｐゴシック" panose="020B0600070205080204" pitchFamily="50" charset="-128"/>
                 </a:rPr>
-                <a:t>  </a:t>
-              </a:r>
-              <a:r>
-                <a:rPr lang="en-US" altLang="ja-JP" dirty="0" smtClean="0">
-                  <a:solidFill>
-                    <a:schemeClr val="bg1"/>
-                  </a:solidFill>
-                  <a:latin typeface="ＭＳ Ｐゴシック" panose="020B0600070205080204" pitchFamily="50" charset="-128"/>
-                  <a:ea typeface="ＭＳ Ｐゴシック" panose="020B0600070205080204" pitchFamily="50" charset="-128"/>
-                </a:rPr>
-                <a:t>&lt;</a:t>
+                <a:t>  &lt;</a:t>
               </a:r>
               <a:r>
                 <a:rPr lang="en-US" altLang="ja-JP" dirty="0">
@@ -7200,13 +7134,6 @@
                 </a:rPr>
                 <a:t> className=“sampleText”&gt;Hello&lt;/p&gt;,</a:t>
               </a:r>
-              <a:endParaRPr lang="en-US" altLang="ja-JP" dirty="0" smtClean="0">
-                <a:solidFill>
-                  <a:schemeClr val="bg1"/>
-                </a:solidFill>
-                <a:latin typeface="ＭＳ Ｐゴシック" panose="020B0600070205080204" pitchFamily="50" charset="-128"/>
-                <a:ea typeface="ＭＳ Ｐゴシック" panose="020B0600070205080204" pitchFamily="50" charset="-128"/>
-              </a:endParaRPr>
             </a:p>
             <a:p>
               <a:r>
@@ -7727,17 +7654,7 @@
                   <a:latin typeface="ＭＳ Ｐゴシック" panose="020B0600070205080204" pitchFamily="50" charset="-128"/>
                   <a:ea typeface="ＭＳ Ｐゴシック" panose="020B0600070205080204" pitchFamily="50" charset="-128"/>
                 </a:rPr>
-                <a:t>document.getElementById</a:t>
-              </a:r>
-              <a:r>
-                <a:rPr lang="en-US" altLang="ja-JP" dirty="0" smtClean="0">
-                  <a:solidFill>
-                    <a:schemeClr val="bg1"/>
-                  </a:solidFill>
-                  <a:latin typeface="ＭＳ Ｐゴシック" panose="020B0600070205080204" pitchFamily="50" charset="-128"/>
-                  <a:ea typeface="ＭＳ Ｐゴシック" panose="020B0600070205080204" pitchFamily="50" charset="-128"/>
-                </a:rPr>
-                <a:t>('root')</a:t>
+                <a:t>document.getElementById('root')</a:t>
               </a:r>
             </a:p>
             <a:p>
@@ -8186,17 +8103,7 @@
                   <a:latin typeface="ＭＳ Ｐゴシック" panose="020B0600070205080204" pitchFamily="50" charset="-128"/>
                   <a:ea typeface="ＭＳ Ｐゴシック" panose="020B0600070205080204" pitchFamily="50" charset="-128"/>
                 </a:rPr>
-                <a:t>document.getElementById</a:t>
-              </a:r>
-              <a:r>
-                <a:rPr lang="en-US" altLang="ja-JP" dirty="0" smtClean="0">
-                  <a:solidFill>
-                    <a:schemeClr val="bg1"/>
-                  </a:solidFill>
-                  <a:latin typeface="ＭＳ Ｐゴシック" panose="020B0600070205080204" pitchFamily="50" charset="-128"/>
-                  <a:ea typeface="ＭＳ Ｐゴシック" panose="020B0600070205080204" pitchFamily="50" charset="-128"/>
-                </a:rPr>
-                <a:t>('root')</a:t>
+                <a:t>document.getElementById('root')</a:t>
               </a:r>
             </a:p>
             <a:p>
@@ -8453,14 +8360,6 @@
               </a:rPr>
               <a:t>className</a:t>
             </a:r>
-            <a:endParaRPr lang="en-US" altLang="ja-JP" dirty="0" smtClean="0">
-              <a:solidFill>
-                <a:schemeClr val="tx1">
-                  <a:lumMod val="85000"/>
-                  <a:lumOff val="15000"/>
-                </a:schemeClr>
-              </a:solidFill>
-            </a:endParaRPr>
           </a:p>
         </p:txBody>
       </p:sp>
@@ -8569,14 +8468,6 @@
               </a:rPr>
               <a:t>htmlFor</a:t>
             </a:r>
-            <a:endParaRPr lang="en-US" altLang="ja-JP" dirty="0" smtClean="0">
-              <a:solidFill>
-                <a:schemeClr val="tx1">
-                  <a:lumMod val="85000"/>
-                  <a:lumOff val="15000"/>
-                </a:schemeClr>
-              </a:solidFill>
-            </a:endParaRPr>
           </a:p>
         </p:txBody>
       </p:sp>
@@ -9216,17 +9107,7 @@
                   <a:latin typeface="ＭＳ Ｐゴシック" panose="020B0600070205080204" pitchFamily="50" charset="-128"/>
                   <a:ea typeface="ＭＳ Ｐゴシック" panose="020B0600070205080204" pitchFamily="50" charset="-128"/>
                 </a:rPr>
-                <a:t>”&gt;Hello</a:t>
-              </a:r>
-              <a:r>
-                <a:rPr lang="en-US" altLang="ja-JP" dirty="0" smtClean="0">
-                  <a:solidFill>
-                    <a:schemeClr val="bg1"/>
-                  </a:solidFill>
-                  <a:latin typeface="ＭＳ Ｐゴシック" panose="020B0600070205080204" pitchFamily="50" charset="-128"/>
-                  <a:ea typeface="ＭＳ Ｐゴシック" panose="020B0600070205080204" pitchFamily="50" charset="-128"/>
-                </a:rPr>
-                <a:t>!!&lt;/</a:t>
+                <a:t>”&gt;Hello!!&lt;/</a:t>
               </a:r>
               <a:r>
                 <a:rPr lang="en-US" altLang="ja-JP" dirty="0">
@@ -9248,13 +9129,6 @@
                 </a:rPr>
                 <a:t>&gt;,</a:t>
               </a:r>
-              <a:endParaRPr lang="en-US" altLang="ja-JP" dirty="0" smtClean="0">
-                <a:solidFill>
-                  <a:schemeClr val="bg1"/>
-                </a:solidFill>
-                <a:latin typeface="ＭＳ Ｐゴシック" panose="020B0600070205080204" pitchFamily="50" charset="-128"/>
-                <a:ea typeface="ＭＳ Ｐゴシック" panose="020B0600070205080204" pitchFamily="50" charset="-128"/>
-              </a:endParaRPr>
             </a:p>
             <a:p>
               <a:r>
@@ -9265,17 +9139,7 @@
                   <a:latin typeface="ＭＳ Ｐゴシック" panose="020B0600070205080204" pitchFamily="50" charset="-128"/>
                   <a:ea typeface="ＭＳ Ｐゴシック" panose="020B0600070205080204" pitchFamily="50" charset="-128"/>
                 </a:rPr>
-                <a:t>  document.getElementById</a:t>
-              </a:r>
-              <a:r>
-                <a:rPr lang="en-US" altLang="ja-JP" dirty="0" smtClean="0">
-                  <a:solidFill>
-                    <a:schemeClr val="bg1"/>
-                  </a:solidFill>
-                  <a:latin typeface="ＭＳ Ｐゴシック" panose="020B0600070205080204" pitchFamily="50" charset="-128"/>
-                  <a:ea typeface="ＭＳ Ｐゴシック" panose="020B0600070205080204" pitchFamily="50" charset="-128"/>
-                </a:rPr>
-                <a:t>('root')</a:t>
+                <a:t>  document.getElementById('root')</a:t>
               </a:r>
             </a:p>
             <a:p>
@@ -9482,11 +9346,7 @@
             </a:r>
             <a:r>
               <a:rPr lang="ja-JP" altLang="en-US" sz="2400" dirty="0" smtClean="0"/>
-              <a:t>属性は、文字列ではなく</a:t>
-            </a:r>
-            <a:r>
-              <a:rPr lang="ja-JP" altLang="en-US" sz="2400" dirty="0" smtClean="0"/>
-              <a:t>オブジェクト記法</a:t>
+              <a:t>属性は、文字列ではなくオブジェクト記法</a:t>
             </a:r>
             <a:r>
               <a:rPr lang="en-US" altLang="ja-JP" sz="2400" dirty="0" smtClean="0"/>
@@ -9494,15 +9354,7 @@
             </a:r>
             <a:r>
               <a:rPr lang="ja-JP" altLang="en-US" sz="2400" dirty="0" smtClean="0"/>
-              <a:t>で</a:t>
-            </a:r>
-            <a:r>
-              <a:rPr lang="ja-JP" altLang="en-US" sz="2400" dirty="0" smtClean="0"/>
-              <a:t>指定する必要が</a:t>
-            </a:r>
-            <a:r>
-              <a:rPr lang="ja-JP" altLang="en-US" sz="2400" dirty="0" smtClean="0"/>
-              <a:t>あります。</a:t>
+              <a:t>で指定する必要があります。</a:t>
             </a:r>
             <a:endParaRPr lang="en-US" altLang="ja-JP" sz="2400" dirty="0"/>
           </a:p>
@@ -9844,17 +9696,7 @@
                   <a:latin typeface="ＭＳ Ｐゴシック" panose="020B0600070205080204" pitchFamily="50" charset="-128"/>
                   <a:ea typeface="ＭＳ Ｐゴシック" panose="020B0600070205080204" pitchFamily="50" charset="-128"/>
                 </a:rPr>
-                <a:t>red}}&gt;Hello</a:t>
-              </a:r>
-              <a:r>
-                <a:rPr lang="en-US" altLang="ja-JP" dirty="0" smtClean="0">
-                  <a:solidFill>
-                    <a:schemeClr val="bg1"/>
-                  </a:solidFill>
-                  <a:latin typeface="ＭＳ Ｐゴシック" panose="020B0600070205080204" pitchFamily="50" charset="-128"/>
-                  <a:ea typeface="ＭＳ Ｐゴシック" panose="020B0600070205080204" pitchFamily="50" charset="-128"/>
-                </a:rPr>
-                <a:t>!!&lt;/</a:t>
+                <a:t>red}}&gt;Hello!!&lt;/</a:t>
               </a:r>
               <a:r>
                 <a:rPr lang="en-US" altLang="ja-JP" dirty="0">
@@ -9876,13 +9718,6 @@
                 </a:rPr>
                 <a:t>&gt;,</a:t>
               </a:r>
-              <a:endParaRPr lang="en-US" altLang="ja-JP" dirty="0" smtClean="0">
-                <a:solidFill>
-                  <a:schemeClr val="bg1"/>
-                </a:solidFill>
-                <a:latin typeface="ＭＳ Ｐゴシック" panose="020B0600070205080204" pitchFamily="50" charset="-128"/>
-                <a:ea typeface="ＭＳ Ｐゴシック" panose="020B0600070205080204" pitchFamily="50" charset="-128"/>
-              </a:endParaRPr>
             </a:p>
             <a:p>
               <a:r>
@@ -9893,17 +9728,7 @@
                   <a:latin typeface="ＭＳ Ｐゴシック" panose="020B0600070205080204" pitchFamily="50" charset="-128"/>
                   <a:ea typeface="ＭＳ Ｐゴシック" panose="020B0600070205080204" pitchFamily="50" charset="-128"/>
                 </a:rPr>
-                <a:t>  document.getElementById</a:t>
-              </a:r>
-              <a:r>
-                <a:rPr lang="en-US" altLang="ja-JP" dirty="0" smtClean="0">
-                  <a:solidFill>
-                    <a:schemeClr val="bg1"/>
-                  </a:solidFill>
-                  <a:latin typeface="ＭＳ Ｐゴシック" panose="020B0600070205080204" pitchFamily="50" charset="-128"/>
-                  <a:ea typeface="ＭＳ Ｐゴシック" panose="020B0600070205080204" pitchFamily="50" charset="-128"/>
-                </a:rPr>
-                <a:t>('root')</a:t>
+                <a:t>  document.getElementById('root')</a:t>
               </a:r>
             </a:p>
             <a:p>
@@ -10774,11 +10599,7 @@
             </a:r>
             <a:r>
               <a:rPr lang="ja-JP" altLang="en-US" sz="2400" dirty="0" smtClean="0"/>
-              <a:t>内に記述することで可能に</a:t>
-            </a:r>
-            <a:r>
-              <a:rPr lang="ja-JP" altLang="en-US" sz="2400" dirty="0" smtClean="0"/>
-              <a:t>なります。</a:t>
+              <a:t>内に記述することで可能になります。</a:t>
             </a:r>
             <a:endParaRPr lang="en-US" altLang="ja-JP" sz="2400" dirty="0"/>
           </a:p>

--- a/doc/02_SlideShare/01.ネタ/２_Reactの基礎/2-1_Reactの基礎知識 ～JSX編～.pptx
+++ b/doc/02_SlideShare/01.ネタ/２_Reactの基礎/2-1_Reactの基礎知識 ～JSX編～.pptx
@@ -6,11 +6,11 @@
   </p:sldMasterIdLst>
   <p:sldIdLst>
     <p:sldId id="301" r:id="rId2"/>
-    <p:sldId id="306" r:id="rId3"/>
-    <p:sldId id="302" r:id="rId4"/>
-    <p:sldId id="303" r:id="rId5"/>
-    <p:sldId id="304" r:id="rId6"/>
-    <p:sldId id="305" r:id="rId7"/>
+    <p:sldId id="302" r:id="rId3"/>
+    <p:sldId id="303" r:id="rId4"/>
+    <p:sldId id="304" r:id="rId5"/>
+    <p:sldId id="305" r:id="rId6"/>
+    <p:sldId id="306" r:id="rId7"/>
   </p:sldIdLst>
   <p:sldSz cx="12192000" cy="6858000"/>
   <p:notesSz cx="6858000" cy="9144000"/>
@@ -217,7 +217,7 @@
           <a:p>
             <a:fld id="{2FA7D4A1-D6E2-4B97-8DF5-43A2A6E9364B}" type="datetimeFigureOut">
               <a:rPr kumimoji="1" lang="ja-JP" altLang="en-US" smtClean="0"/>
-              <a:t>2019/2/28</a:t>
+              <a:t>2019/3/3</a:t>
             </a:fld>
             <a:endParaRPr kumimoji="1" lang="ja-JP" altLang="en-US"/>
           </a:p>
@@ -684,7 +684,7 @@
           <a:p>
             <a:fld id="{2FA7D4A1-D6E2-4B97-8DF5-43A2A6E9364B}" type="datetimeFigureOut">
               <a:rPr kumimoji="1" lang="ja-JP" altLang="en-US" smtClean="0"/>
-              <a:t>2019/2/28</a:t>
+              <a:t>2019/3/3</a:t>
             </a:fld>
             <a:endParaRPr kumimoji="1" lang="ja-JP" altLang="en-US"/>
           </a:p>
@@ -1124,7 +1124,7 @@
           <a:p>
             <a:fld id="{2FA7D4A1-D6E2-4B97-8DF5-43A2A6E9364B}" type="datetimeFigureOut">
               <a:rPr kumimoji="1" lang="ja-JP" altLang="en-US" smtClean="0"/>
-              <a:t>2019/2/28</a:t>
+              <a:t>2019/3/3</a:t>
             </a:fld>
             <a:endParaRPr kumimoji="1" lang="ja-JP" altLang="en-US"/>
           </a:p>
@@ -1249,7 +1249,7 @@
           <a:p>
             <a:fld id="{2FA7D4A1-D6E2-4B97-8DF5-43A2A6E9364B}" type="datetimeFigureOut">
               <a:rPr kumimoji="1" lang="ja-JP" altLang="en-US" smtClean="0"/>
-              <a:t>2019/2/28</a:t>
+              <a:t>2019/3/3</a:t>
             </a:fld>
             <a:endParaRPr kumimoji="1" lang="ja-JP" altLang="en-US"/>
           </a:p>
@@ -1481,7 +1481,7 @@
           <a:p>
             <a:fld id="{2FA7D4A1-D6E2-4B97-8DF5-43A2A6E9364B}" type="datetimeFigureOut">
               <a:rPr kumimoji="1" lang="ja-JP" altLang="en-US" smtClean="0"/>
-              <a:t>2019/2/28</a:t>
+              <a:t>2019/3/3</a:t>
             </a:fld>
             <a:endParaRPr kumimoji="1" lang="ja-JP" altLang="en-US"/>
           </a:p>
@@ -1717,7 +1717,7 @@
                 </a:solidFill>
               </a:rPr>
               <a:pPr/>
-              <a:t>2/28/2019</a:t>
+              <a:t>3/3/2019</a:t>
             </a:fld>
             <a:endParaRPr lang="en-US" dirty="0">
               <a:solidFill>
@@ -2012,7 +2012,7 @@
           <a:p>
             <a:fld id="{2FA7D4A1-D6E2-4B97-8DF5-43A2A6E9364B}" type="datetimeFigureOut">
               <a:rPr kumimoji="1" lang="ja-JP" altLang="en-US" smtClean="0"/>
-              <a:t>2019/2/28</a:t>
+              <a:t>2019/3/3</a:t>
             </a:fld>
             <a:endParaRPr kumimoji="1" lang="ja-JP" altLang="en-US"/>
           </a:p>
@@ -2507,12 +2507,8 @@
               <a:t>－ </a:t>
             </a:r>
             <a:r>
-              <a:rPr kumimoji="1" lang="en-US" altLang="ja-JP" dirty="0" smtClean="0"/>
-              <a:t>JSX</a:t>
-            </a:r>
-            <a:r>
-              <a:rPr kumimoji="1" lang="ja-JP" altLang="en-US" dirty="0" smtClean="0"/>
-              <a:t>とは</a:t>
+              <a:rPr lang="ja-JP" altLang="en-US" dirty="0"/>
+              <a:t>概要</a:t>
             </a:r>
             <a:endParaRPr kumimoji="1" lang="ja-JP" altLang="en-US" dirty="0"/>
           </a:p>
@@ -3094,10 +3090,6 @@
           </a:lstStyle>
           <a:p>
             <a:r>
-              <a:rPr lang="ja-JP" altLang="en-US" sz="2400" dirty="0" smtClean="0"/>
-              <a:t>・</a:t>
-            </a:r>
-            <a:r>
               <a:rPr lang="en-US" altLang="ja-JP" sz="2400" dirty="0" smtClean="0"/>
               <a:t>JSX</a:t>
             </a:r>
@@ -3140,10 +3132,6 @@
             <a:endParaRPr lang="en-US" altLang="ja-JP" sz="2400" dirty="0" smtClean="0"/>
           </a:p>
           <a:p>
-            <a:r>
-              <a:rPr lang="ja-JP" altLang="en-US" sz="2400" dirty="0" smtClean="0"/>
-              <a:t>・</a:t>
-            </a:r>
             <a:r>
               <a:rPr lang="en-US" altLang="ja-JP" sz="2400" dirty="0" smtClean="0"/>
               <a:t>JSX</a:t>
@@ -3615,7 +3603,7 @@
         <p:spPr>
           <a:xfrm>
             <a:off x="1963506" y="5545180"/>
-            <a:ext cx="9114802" cy="698305"/>
+            <a:ext cx="7690448" cy="698305"/>
           </a:xfrm>
           <a:prstGeom prst="borderCallout2">
             <a:avLst>
@@ -3676,10 +3664,10 @@
                   </a:schemeClr>
                 </a:solidFill>
               </a:rPr>
-              <a:t>で記述された箇所は、</a:t>
-            </a:r>
-            <a:r>
-              <a:rPr lang="en-US" altLang="ja-JP" dirty="0" smtClean="0">
+              <a:t>で記述された箇所は</a:t>
+            </a:r>
+            <a:r>
+              <a:rPr lang="ja-JP" altLang="en-US" dirty="0" smtClean="0">
                 <a:solidFill>
                   <a:schemeClr val="tx1">
                     <a:lumMod val="85000"/>
@@ -3687,7 +3675,7 @@
                   </a:schemeClr>
                 </a:solidFill>
               </a:rPr>
-              <a:t>Babel</a:t>
+              <a:t>、コンパイラ</a:t>
             </a:r>
             <a:r>
               <a:rPr lang="ja-JP" altLang="en-US" dirty="0" smtClean="0">
@@ -3698,29 +3686,7 @@
                   </a:schemeClr>
                 </a:solidFill>
               </a:rPr>
-              <a:t>という</a:t>
-            </a:r>
-            <a:r>
-              <a:rPr lang="en-US" altLang="ja-JP" dirty="0" smtClean="0">
-                <a:solidFill>
-                  <a:schemeClr val="tx1">
-                    <a:lumMod val="85000"/>
-                    <a:lumOff val="15000"/>
-                  </a:schemeClr>
-                </a:solidFill>
-              </a:rPr>
-              <a:t>JSX</a:t>
-            </a:r>
-            <a:r>
-              <a:rPr lang="ja-JP" altLang="en-US" dirty="0" smtClean="0">
-                <a:solidFill>
-                  <a:schemeClr val="tx1">
-                    <a:lumMod val="85000"/>
-                    <a:lumOff val="15000"/>
-                  </a:schemeClr>
-                </a:solidFill>
-              </a:rPr>
-              <a:t>コンパイラによって最終的に</a:t>
+              <a:t>によって最終的に</a:t>
             </a:r>
             <a:r>
               <a:rPr lang="en-US" altLang="ja-JP" dirty="0" smtClean="0">
@@ -3776,1308 +3742,6 @@
 </file>
 
 <file path=ppt/slides/slide2.xml><?xml version="1.0" encoding="utf-8"?>
-<p:sld xmlns:a="http://schemas.openxmlformats.org/drawingml/2006/main" xmlns:r="http://schemas.openxmlformats.org/officeDocument/2006/relationships" xmlns:p="http://schemas.openxmlformats.org/presentationml/2006/main">
-  <p:cSld>
-    <p:spTree>
-      <p:nvGrpSpPr>
-        <p:cNvPr id="1" name=""/>
-        <p:cNvGrpSpPr/>
-        <p:nvPr/>
-      </p:nvGrpSpPr>
-      <p:grpSpPr>
-        <a:xfrm>
-          <a:off x="0" y="0"/>
-          <a:ext cx="0" cy="0"/>
-          <a:chOff x="0" y="0"/>
-          <a:chExt cx="0" cy="0"/>
-        </a:xfrm>
-      </p:grpSpPr>
-      <p:sp>
-        <p:nvSpPr>
-          <p:cNvPr id="2" name="タイトル 1"/>
-          <p:cNvSpPr>
-            <a:spLocks noGrp="1"/>
-          </p:cNvSpPr>
-          <p:nvPr>
-            <p:ph type="title"/>
-          </p:nvPr>
-        </p:nvSpPr>
-        <p:spPr/>
-        <p:txBody>
-          <a:bodyPr/>
-          <a:lstStyle/>
-          <a:p>
-            <a:r>
-              <a:rPr kumimoji="1" lang="en-US" altLang="ja-JP" dirty="0" smtClean="0"/>
-              <a:t>JSX</a:t>
-            </a:r>
-            <a:r>
-              <a:rPr lang="ja-JP" altLang="en-US" dirty="0"/>
-              <a:t> </a:t>
-            </a:r>
-            <a:r>
-              <a:rPr kumimoji="1" lang="ja-JP" altLang="en-US" dirty="0" smtClean="0"/>
-              <a:t>－ </a:t>
-            </a:r>
-            <a:r>
-              <a:rPr kumimoji="1" lang="en-US" altLang="ja-JP" dirty="0" smtClean="0"/>
-              <a:t>JSX</a:t>
-            </a:r>
-            <a:r>
-              <a:rPr kumimoji="1" lang="ja-JP" altLang="en-US" dirty="0" smtClean="0"/>
-              <a:t>とは</a:t>
-            </a:r>
-            <a:r>
-              <a:rPr kumimoji="1" lang="en-US" altLang="ja-JP" dirty="0" smtClean="0"/>
-              <a:t>(</a:t>
-            </a:r>
-            <a:r>
-              <a:rPr kumimoji="1" lang="ja-JP" altLang="en-US" dirty="0" smtClean="0"/>
-              <a:t>補足</a:t>
-            </a:r>
-            <a:r>
-              <a:rPr kumimoji="1" lang="en-US" altLang="ja-JP" dirty="0" smtClean="0"/>
-              <a:t>)</a:t>
-            </a:r>
-            <a:endParaRPr kumimoji="1" lang="ja-JP" altLang="en-US" dirty="0"/>
-          </a:p>
-        </p:txBody>
-      </p:sp>
-      <p:sp>
-        <p:nvSpPr>
-          <p:cNvPr id="3" name="テキスト ボックス 2"/>
-          <p:cNvSpPr txBox="1"/>
-          <p:nvPr/>
-        </p:nvSpPr>
-        <p:spPr>
-          <a:xfrm>
-            <a:off x="440591" y="2163890"/>
-            <a:ext cx="904415" cy="461665"/>
-          </a:xfrm>
-          <a:prstGeom prst="rect">
-            <a:avLst/>
-          </a:prstGeom>
-          <a:noFill/>
-        </p:spPr>
-        <p:txBody>
-          <a:bodyPr wrap="none" rtlCol="0">
-            <a:spAutoFit/>
-          </a:bodyPr>
-          <a:lstStyle/>
-          <a:p>
-            <a:r>
-              <a:rPr kumimoji="1" lang="en-US" altLang="ja-JP" sz="2400" dirty="0" smtClean="0"/>
-              <a:t>class</a:t>
-            </a:r>
-            <a:endParaRPr kumimoji="1" lang="ja-JP" altLang="en-US" sz="2400" dirty="0"/>
-          </a:p>
-        </p:txBody>
-      </p:sp>
-      <p:sp>
-        <p:nvSpPr>
-          <p:cNvPr id="23" name="テキスト ボックス 22"/>
-          <p:cNvSpPr txBox="1"/>
-          <p:nvPr/>
-        </p:nvSpPr>
-        <p:spPr>
-          <a:xfrm>
-            <a:off x="6390558" y="2169957"/>
-            <a:ext cx="596638" cy="461665"/>
-          </a:xfrm>
-          <a:prstGeom prst="rect">
-            <a:avLst/>
-          </a:prstGeom>
-          <a:noFill/>
-        </p:spPr>
-        <p:txBody>
-          <a:bodyPr wrap="none" rtlCol="0">
-            <a:spAutoFit/>
-          </a:bodyPr>
-          <a:lstStyle/>
-          <a:p>
-            <a:r>
-              <a:rPr kumimoji="1" lang="en-US" altLang="ja-JP" sz="2400" dirty="0" smtClean="0"/>
-              <a:t>for</a:t>
-            </a:r>
-            <a:endParaRPr kumimoji="1" lang="ja-JP" altLang="en-US" sz="2400" dirty="0"/>
-          </a:p>
-        </p:txBody>
-      </p:sp>
-      <p:sp>
-        <p:nvSpPr>
-          <p:cNvPr id="24" name="コンテンツ プレースホルダー 3"/>
-          <p:cNvSpPr txBox="1">
-            <a:spLocks/>
-          </p:cNvSpPr>
-          <p:nvPr/>
-        </p:nvSpPr>
-        <p:spPr>
-          <a:xfrm>
-            <a:off x="421964" y="1268361"/>
-            <a:ext cx="11379201" cy="2140685"/>
-          </a:xfrm>
-          <a:prstGeom prst="rect">
-            <a:avLst/>
-          </a:prstGeom>
-          <a:solidFill>
-            <a:schemeClr val="accent1">
-              <a:lumMod val="20000"/>
-              <a:lumOff val="80000"/>
-            </a:schemeClr>
-          </a:solidFill>
-          <a:ln>
-            <a:solidFill>
-              <a:schemeClr val="accent1"/>
-            </a:solidFill>
-          </a:ln>
-        </p:spPr>
-        <p:txBody>
-          <a:bodyPr anchor="ctr"/>
-          <a:lstStyle>
-            <a:defPPr>
-              <a:defRPr lang="ja-JP"/>
-            </a:defPPr>
-            <a:lvl1pPr indent="0">
-              <a:lnSpc>
-                <a:spcPct val="90000"/>
-              </a:lnSpc>
-              <a:spcBef>
-                <a:spcPts val="1000"/>
-              </a:spcBef>
-              <a:buFont typeface="Arial" panose="020B0604020202020204" pitchFamily="34" charset="0"/>
-              <a:buNone/>
-              <a:defRPr sz="2000">
-                <a:latin typeface="Meiryo UI" panose="020B0604030504040204" pitchFamily="50" charset="-128"/>
-                <a:ea typeface="Meiryo UI" panose="020B0604030504040204" pitchFamily="50" charset="-128"/>
-              </a:defRPr>
-            </a:lvl1pPr>
-            <a:lvl2pPr marL="685800" indent="-228600">
-              <a:lnSpc>
-                <a:spcPct val="90000"/>
-              </a:lnSpc>
-              <a:spcBef>
-                <a:spcPts val="500"/>
-              </a:spcBef>
-              <a:buFont typeface="Arial" panose="020B0604020202020204" pitchFamily="34" charset="0"/>
-              <a:buChar char="•"/>
-              <a:defRPr>
-                <a:latin typeface="Meiryo UI" panose="020B0604030504040204" pitchFamily="50" charset="-128"/>
-                <a:ea typeface="Meiryo UI" panose="020B0604030504040204" pitchFamily="50" charset="-128"/>
-              </a:defRPr>
-            </a:lvl2pPr>
-            <a:lvl3pPr marL="1143000" indent="-228600">
-              <a:lnSpc>
-                <a:spcPct val="90000"/>
-              </a:lnSpc>
-              <a:spcBef>
-                <a:spcPts val="500"/>
-              </a:spcBef>
-              <a:buFont typeface="Arial" panose="020B0604020202020204" pitchFamily="34" charset="0"/>
-              <a:buChar char="•"/>
-              <a:defRPr sz="1600">
-                <a:latin typeface="Meiryo UI" panose="020B0604030504040204" pitchFamily="50" charset="-128"/>
-                <a:ea typeface="Meiryo UI" panose="020B0604030504040204" pitchFamily="50" charset="-128"/>
-              </a:defRPr>
-            </a:lvl3pPr>
-            <a:lvl4pPr marL="1600200" indent="-228600">
-              <a:lnSpc>
-                <a:spcPct val="90000"/>
-              </a:lnSpc>
-              <a:spcBef>
-                <a:spcPts val="500"/>
-              </a:spcBef>
-              <a:buFont typeface="Arial" panose="020B0604020202020204" pitchFamily="34" charset="0"/>
-              <a:buChar char="•"/>
-              <a:defRPr sz="1400">
-                <a:latin typeface="Meiryo UI" panose="020B0604030504040204" pitchFamily="50" charset="-128"/>
-                <a:ea typeface="Meiryo UI" panose="020B0604030504040204" pitchFamily="50" charset="-128"/>
-              </a:defRPr>
-            </a:lvl4pPr>
-            <a:lvl5pPr marL="2057400" indent="-228600">
-              <a:lnSpc>
-                <a:spcPct val="90000"/>
-              </a:lnSpc>
-              <a:spcBef>
-                <a:spcPts val="500"/>
-              </a:spcBef>
-              <a:buFont typeface="Arial" panose="020B0604020202020204" pitchFamily="34" charset="0"/>
-              <a:buChar char="•"/>
-              <a:defRPr sz="1200">
-                <a:latin typeface="Meiryo UI" panose="020B0604030504040204" pitchFamily="50" charset="-128"/>
-                <a:ea typeface="Meiryo UI" panose="020B0604030504040204" pitchFamily="50" charset="-128"/>
-              </a:defRPr>
-            </a:lvl5pPr>
-            <a:lvl6pPr marL="2514600" indent="-228600">
-              <a:lnSpc>
-                <a:spcPct val="90000"/>
-              </a:lnSpc>
-              <a:spcBef>
-                <a:spcPts val="500"/>
-              </a:spcBef>
-              <a:buFont typeface="Arial" panose="020B0604020202020204" pitchFamily="34" charset="0"/>
-              <a:buChar char="•"/>
-            </a:lvl6pPr>
-            <a:lvl7pPr marL="2971800" indent="-228600">
-              <a:lnSpc>
-                <a:spcPct val="90000"/>
-              </a:lnSpc>
-              <a:spcBef>
-                <a:spcPts val="500"/>
-              </a:spcBef>
-              <a:buFont typeface="Arial" panose="020B0604020202020204" pitchFamily="34" charset="0"/>
-              <a:buChar char="•"/>
-            </a:lvl7pPr>
-            <a:lvl8pPr marL="3429000" indent="-228600">
-              <a:lnSpc>
-                <a:spcPct val="90000"/>
-              </a:lnSpc>
-              <a:spcBef>
-                <a:spcPts val="500"/>
-              </a:spcBef>
-              <a:buFont typeface="Arial" panose="020B0604020202020204" pitchFamily="34" charset="0"/>
-              <a:buChar char="•"/>
-            </a:lvl8pPr>
-            <a:lvl9pPr marL="3886200" indent="-228600">
-              <a:lnSpc>
-                <a:spcPct val="90000"/>
-              </a:lnSpc>
-              <a:spcBef>
-                <a:spcPts val="500"/>
-              </a:spcBef>
-              <a:buFont typeface="Arial" panose="020B0604020202020204" pitchFamily="34" charset="0"/>
-              <a:buChar char="•"/>
-            </a:lvl9pPr>
-          </a:lstStyle>
-          <a:p>
-            <a:r>
-              <a:rPr lang="en-US" altLang="ja-JP" sz="2400" dirty="0" smtClean="0"/>
-              <a:t>React</a:t>
-            </a:r>
-            <a:r>
-              <a:rPr lang="ja-JP" altLang="en-US" sz="2400" dirty="0" smtClean="0"/>
-              <a:t>を利用する上で、</a:t>
-            </a:r>
-            <a:r>
-              <a:rPr lang="en-US" altLang="ja-JP" sz="2400" dirty="0" smtClean="0"/>
-              <a:t>JSX</a:t>
-            </a:r>
-            <a:r>
-              <a:rPr lang="ja-JP" altLang="en-US" sz="2400" dirty="0" smtClean="0"/>
-              <a:t>は必須ではありません。</a:t>
-            </a:r>
-            <a:endParaRPr lang="en-US" altLang="ja-JP" sz="2400" dirty="0" smtClean="0"/>
-          </a:p>
-          <a:p>
-            <a:r>
-              <a:rPr lang="ja-JP" altLang="en-US" sz="2400" dirty="0" smtClean="0"/>
-              <a:t>タグ形式で記述せず、</a:t>
-            </a:r>
-            <a:r>
-              <a:rPr lang="en-US" altLang="ja-JP" sz="2400" dirty="0" smtClean="0"/>
-              <a:t>React.createElemenet</a:t>
-            </a:r>
-            <a:r>
-              <a:rPr lang="ja-JP" altLang="en-US" sz="2400" dirty="0" smtClean="0"/>
-              <a:t>と記述しても同じ内容がレンダリングされます。</a:t>
-            </a:r>
-            <a:endParaRPr lang="en-US" altLang="ja-JP" sz="2400" dirty="0" smtClean="0"/>
-          </a:p>
-          <a:p>
-            <a:r>
-              <a:rPr lang="ja-JP" altLang="en-US" sz="2400" dirty="0" smtClean="0"/>
-              <a:t>しかし、要素数が複数であったり、階層が深くなるにつれ、</a:t>
-            </a:r>
-            <a:r>
-              <a:rPr lang="en-US" altLang="ja-JP" sz="2400" dirty="0" smtClean="0"/>
-              <a:t>JSX</a:t>
-            </a:r>
-            <a:r>
-              <a:rPr lang="ja-JP" altLang="en-US" sz="2400" dirty="0" smtClean="0"/>
-              <a:t>を使用しない書き方は</a:t>
-            </a:r>
-            <a:endParaRPr lang="en-US" altLang="ja-JP" sz="2400" dirty="0"/>
-          </a:p>
-          <a:p>
-            <a:r>
-              <a:rPr lang="ja-JP" altLang="en-US" sz="2400" dirty="0" smtClean="0"/>
-              <a:t>可読性が悪くなるため、</a:t>
-            </a:r>
-            <a:r>
-              <a:rPr lang="en-US" altLang="ja-JP" sz="2400" dirty="0" smtClean="0"/>
-              <a:t>React</a:t>
-            </a:r>
-            <a:r>
-              <a:rPr lang="ja-JP" altLang="en-US" sz="2400" dirty="0" smtClean="0"/>
-              <a:t>では基本的に</a:t>
-            </a:r>
-            <a:r>
-              <a:rPr lang="en-US" altLang="ja-JP" sz="2400" dirty="0" smtClean="0"/>
-              <a:t>JSX</a:t>
-            </a:r>
-            <a:r>
-              <a:rPr lang="ja-JP" altLang="en-US" sz="2400" dirty="0" smtClean="0"/>
-              <a:t>を使用した方が良いでしょう。</a:t>
-            </a:r>
-            <a:endParaRPr lang="en-US" altLang="ja-JP" sz="2400" dirty="0" smtClean="0"/>
-          </a:p>
-        </p:txBody>
-      </p:sp>
-      <p:sp>
-        <p:nvSpPr>
-          <p:cNvPr id="6" name="コンテンツ プレースホルダー 3"/>
-          <p:cNvSpPr txBox="1">
-            <a:spLocks/>
-          </p:cNvSpPr>
-          <p:nvPr/>
-        </p:nvSpPr>
-        <p:spPr>
-          <a:xfrm>
-            <a:off x="572476" y="4304575"/>
-            <a:ext cx="5221655" cy="1647851"/>
-          </a:xfrm>
-          <a:prstGeom prst="rect">
-            <a:avLst/>
-          </a:prstGeom>
-          <a:solidFill>
-            <a:srgbClr val="333F50"/>
-          </a:solidFill>
-          <a:ln>
-            <a:solidFill>
-              <a:schemeClr val="bg1">
-                <a:lumMod val="95000"/>
-              </a:schemeClr>
-            </a:solidFill>
-          </a:ln>
-        </p:spPr>
-        <p:txBody>
-          <a:bodyPr anchor="ctr"/>
-          <a:lstStyle>
-            <a:lvl1pPr marL="228600" indent="-228600" algn="l" defTabSz="914400" rtl="0" eaLnBrk="1" latinLnBrk="0" hangingPunct="1">
-              <a:lnSpc>
-                <a:spcPct val="90000"/>
-              </a:lnSpc>
-              <a:spcBef>
-                <a:spcPts val="1000"/>
-              </a:spcBef>
-              <a:buFont typeface="Arial" panose="020B0604020202020204" pitchFamily="34" charset="0"/>
-              <a:buChar char="•"/>
-              <a:defRPr kumimoji="1" sz="2000" kern="1200">
-                <a:solidFill>
-                  <a:schemeClr val="tx1"/>
-                </a:solidFill>
-                <a:latin typeface="Meiryo UI" panose="020B0604030504040204" pitchFamily="50" charset="-128"/>
-                <a:ea typeface="Meiryo UI" panose="020B0604030504040204" pitchFamily="50" charset="-128"/>
-                <a:cs typeface="+mn-cs"/>
-              </a:defRPr>
-            </a:lvl1pPr>
-            <a:lvl2pPr marL="685800" indent="-228600" algn="l" defTabSz="914400" rtl="0" eaLnBrk="1" latinLnBrk="0" hangingPunct="1">
-              <a:lnSpc>
-                <a:spcPct val="90000"/>
-              </a:lnSpc>
-              <a:spcBef>
-                <a:spcPts val="500"/>
-              </a:spcBef>
-              <a:buFont typeface="Arial" panose="020B0604020202020204" pitchFamily="34" charset="0"/>
-              <a:buChar char="•"/>
-              <a:defRPr kumimoji="1" sz="1800" kern="1200">
-                <a:solidFill>
-                  <a:schemeClr val="tx1"/>
-                </a:solidFill>
-                <a:latin typeface="Meiryo UI" panose="020B0604030504040204" pitchFamily="50" charset="-128"/>
-                <a:ea typeface="Meiryo UI" panose="020B0604030504040204" pitchFamily="50" charset="-128"/>
-                <a:cs typeface="+mn-cs"/>
-              </a:defRPr>
-            </a:lvl2pPr>
-            <a:lvl3pPr marL="1143000" indent="-228600" algn="l" defTabSz="914400" rtl="0" eaLnBrk="1" latinLnBrk="0" hangingPunct="1">
-              <a:lnSpc>
-                <a:spcPct val="90000"/>
-              </a:lnSpc>
-              <a:spcBef>
-                <a:spcPts val="500"/>
-              </a:spcBef>
-              <a:buFont typeface="Arial" panose="020B0604020202020204" pitchFamily="34" charset="0"/>
-              <a:buChar char="•"/>
-              <a:defRPr kumimoji="1" sz="1600" kern="1200">
-                <a:solidFill>
-                  <a:schemeClr val="tx1"/>
-                </a:solidFill>
-                <a:latin typeface="Meiryo UI" panose="020B0604030504040204" pitchFamily="50" charset="-128"/>
-                <a:ea typeface="Meiryo UI" panose="020B0604030504040204" pitchFamily="50" charset="-128"/>
-                <a:cs typeface="+mn-cs"/>
-              </a:defRPr>
-            </a:lvl3pPr>
-            <a:lvl4pPr marL="1600200" indent="-228600" algn="l" defTabSz="914400" rtl="0" eaLnBrk="1" latinLnBrk="0" hangingPunct="1">
-              <a:lnSpc>
-                <a:spcPct val="90000"/>
-              </a:lnSpc>
-              <a:spcBef>
-                <a:spcPts val="500"/>
-              </a:spcBef>
-              <a:buFont typeface="Arial" panose="020B0604020202020204" pitchFamily="34" charset="0"/>
-              <a:buChar char="•"/>
-              <a:defRPr kumimoji="1" sz="1400" kern="1200">
-                <a:solidFill>
-                  <a:schemeClr val="tx1"/>
-                </a:solidFill>
-                <a:latin typeface="Meiryo UI" panose="020B0604030504040204" pitchFamily="50" charset="-128"/>
-                <a:ea typeface="Meiryo UI" panose="020B0604030504040204" pitchFamily="50" charset="-128"/>
-                <a:cs typeface="+mn-cs"/>
-              </a:defRPr>
-            </a:lvl4pPr>
-            <a:lvl5pPr marL="2057400" indent="-228600" algn="l" defTabSz="914400" rtl="0" eaLnBrk="1" latinLnBrk="0" hangingPunct="1">
-              <a:lnSpc>
-                <a:spcPct val="90000"/>
-              </a:lnSpc>
-              <a:spcBef>
-                <a:spcPts val="500"/>
-              </a:spcBef>
-              <a:buFont typeface="Arial" panose="020B0604020202020204" pitchFamily="34" charset="0"/>
-              <a:buChar char="•"/>
-              <a:defRPr kumimoji="1" sz="1200" kern="1200">
-                <a:solidFill>
-                  <a:schemeClr val="tx1"/>
-                </a:solidFill>
-                <a:latin typeface="Meiryo UI" panose="020B0604030504040204" pitchFamily="50" charset="-128"/>
-                <a:ea typeface="Meiryo UI" panose="020B0604030504040204" pitchFamily="50" charset="-128"/>
-                <a:cs typeface="+mn-cs"/>
-              </a:defRPr>
-            </a:lvl5pPr>
-            <a:lvl6pPr marL="2514600" indent="-228600" algn="l" defTabSz="914400" rtl="0" eaLnBrk="1" latinLnBrk="0" hangingPunct="1">
-              <a:lnSpc>
-                <a:spcPct val="90000"/>
-              </a:lnSpc>
-              <a:spcBef>
-                <a:spcPts val="500"/>
-              </a:spcBef>
-              <a:buFont typeface="Arial" panose="020B0604020202020204" pitchFamily="34" charset="0"/>
-              <a:buChar char="•"/>
-              <a:defRPr kumimoji="1" sz="1800" kern="1200">
-                <a:solidFill>
-                  <a:schemeClr val="tx1"/>
-                </a:solidFill>
-                <a:latin typeface="+mn-lt"/>
-                <a:ea typeface="+mn-ea"/>
-                <a:cs typeface="+mn-cs"/>
-              </a:defRPr>
-            </a:lvl6pPr>
-            <a:lvl7pPr marL="2971800" indent="-228600" algn="l" defTabSz="914400" rtl="0" eaLnBrk="1" latinLnBrk="0" hangingPunct="1">
-              <a:lnSpc>
-                <a:spcPct val="90000"/>
-              </a:lnSpc>
-              <a:spcBef>
-                <a:spcPts val="500"/>
-              </a:spcBef>
-              <a:buFont typeface="Arial" panose="020B0604020202020204" pitchFamily="34" charset="0"/>
-              <a:buChar char="•"/>
-              <a:defRPr kumimoji="1" sz="1800" kern="1200">
-                <a:solidFill>
-                  <a:schemeClr val="tx1"/>
-                </a:solidFill>
-                <a:latin typeface="+mn-lt"/>
-                <a:ea typeface="+mn-ea"/>
-                <a:cs typeface="+mn-cs"/>
-              </a:defRPr>
-            </a:lvl7pPr>
-            <a:lvl8pPr marL="3429000" indent="-228600" algn="l" defTabSz="914400" rtl="0" eaLnBrk="1" latinLnBrk="0" hangingPunct="1">
-              <a:lnSpc>
-                <a:spcPct val="90000"/>
-              </a:lnSpc>
-              <a:spcBef>
-                <a:spcPts val="500"/>
-              </a:spcBef>
-              <a:buFont typeface="Arial" panose="020B0604020202020204" pitchFamily="34" charset="0"/>
-              <a:buChar char="•"/>
-              <a:defRPr kumimoji="1" sz="1800" kern="1200">
-                <a:solidFill>
-                  <a:schemeClr val="tx1"/>
-                </a:solidFill>
-                <a:latin typeface="+mn-lt"/>
-                <a:ea typeface="+mn-ea"/>
-                <a:cs typeface="+mn-cs"/>
-              </a:defRPr>
-            </a:lvl8pPr>
-            <a:lvl9pPr marL="3886200" indent="-228600" algn="l" defTabSz="914400" rtl="0" eaLnBrk="1" latinLnBrk="0" hangingPunct="1">
-              <a:lnSpc>
-                <a:spcPct val="90000"/>
-              </a:lnSpc>
-              <a:spcBef>
-                <a:spcPts val="500"/>
-              </a:spcBef>
-              <a:buFont typeface="Arial" panose="020B0604020202020204" pitchFamily="34" charset="0"/>
-              <a:buChar char="•"/>
-              <a:defRPr kumimoji="1" sz="1800" kern="1200">
-                <a:solidFill>
-                  <a:schemeClr val="tx1"/>
-                </a:solidFill>
-                <a:latin typeface="+mn-lt"/>
-                <a:ea typeface="+mn-ea"/>
-                <a:cs typeface="+mn-cs"/>
-              </a:defRPr>
-            </a:lvl9pPr>
-          </a:lstStyle>
-          <a:p>
-            <a:pPr marL="0" indent="0">
-              <a:buNone/>
-            </a:pPr>
-            <a:endParaRPr lang="ja-JP" altLang="en-US" sz="1800" dirty="0">
-              <a:solidFill>
-                <a:schemeClr val="bg1"/>
-              </a:solidFill>
-              <a:latin typeface="ＭＳ Ｐゴシック" panose="020B0600070205080204" pitchFamily="50" charset="-128"/>
-              <a:ea typeface="ＭＳ Ｐゴシック" panose="020B0600070205080204" pitchFamily="50" charset="-128"/>
-            </a:endParaRPr>
-          </a:p>
-        </p:txBody>
-      </p:sp>
-      <p:sp>
-        <p:nvSpPr>
-          <p:cNvPr id="7" name="テキスト ボックス 6"/>
-          <p:cNvSpPr txBox="1"/>
-          <p:nvPr/>
-        </p:nvSpPr>
-        <p:spPr>
-          <a:xfrm>
-            <a:off x="595039" y="4328049"/>
-            <a:ext cx="5113900" cy="1200329"/>
-          </a:xfrm>
-          <a:prstGeom prst="rect">
-            <a:avLst/>
-          </a:prstGeom>
-          <a:noFill/>
-        </p:spPr>
-        <p:txBody>
-          <a:bodyPr wrap="none" rtlCol="0">
-            <a:spAutoFit/>
-          </a:bodyPr>
-          <a:lstStyle/>
-          <a:p>
-            <a:r>
-              <a:rPr lang="en-US" altLang="ja-JP" dirty="0">
-                <a:solidFill>
-                  <a:schemeClr val="bg1"/>
-                </a:solidFill>
-                <a:latin typeface="ＭＳ Ｐゴシック" panose="020B0600070205080204" pitchFamily="50" charset="-128"/>
-                <a:ea typeface="ＭＳ Ｐゴシック" panose="020B0600070205080204" pitchFamily="50" charset="-128"/>
-              </a:rPr>
-              <a:t>React.createElement</a:t>
-            </a:r>
-            <a:r>
-              <a:rPr lang="en-US" altLang="ja-JP" dirty="0" smtClean="0">
-                <a:solidFill>
-                  <a:schemeClr val="bg1"/>
-                </a:solidFill>
-                <a:latin typeface="ＭＳ Ｐゴシック" panose="020B0600070205080204" pitchFamily="50" charset="-128"/>
-                <a:ea typeface="ＭＳ Ｐゴシック" panose="020B0600070205080204" pitchFamily="50" charset="-128"/>
-              </a:rPr>
-              <a:t>(‘ul’, </a:t>
-            </a:r>
-            <a:r>
-              <a:rPr lang="en-US" altLang="ja-JP" dirty="0">
-                <a:solidFill>
-                  <a:schemeClr val="bg1"/>
-                </a:solidFill>
-                <a:latin typeface="ＭＳ Ｐゴシック" panose="020B0600070205080204" pitchFamily="50" charset="-128"/>
-                <a:ea typeface="ＭＳ Ｐゴシック" panose="020B0600070205080204" pitchFamily="50" charset="-128"/>
-              </a:rPr>
-              <a:t>{ className: </a:t>
-            </a:r>
-            <a:r>
-              <a:rPr lang="en-US" altLang="ja-JP" dirty="0" smtClean="0">
-                <a:solidFill>
-                  <a:schemeClr val="bg1"/>
-                </a:solidFill>
-                <a:latin typeface="ＭＳ Ｐゴシック" panose="020B0600070205080204" pitchFamily="50" charset="-128"/>
-                <a:ea typeface="ＭＳ Ｐゴシック" panose="020B0600070205080204" pitchFamily="50" charset="-128"/>
-              </a:rPr>
-              <a:t>‘sample’ </a:t>
-            </a:r>
-            <a:r>
-              <a:rPr lang="en-US" altLang="ja-JP" dirty="0">
-                <a:solidFill>
-                  <a:schemeClr val="bg1"/>
-                </a:solidFill>
-                <a:latin typeface="ＭＳ Ｐゴシック" panose="020B0600070205080204" pitchFamily="50" charset="-128"/>
-                <a:ea typeface="ＭＳ Ｐゴシック" panose="020B0600070205080204" pitchFamily="50" charset="-128"/>
-              </a:rPr>
-              <a:t>},</a:t>
-            </a:r>
-          </a:p>
-          <a:p>
-            <a:r>
-              <a:rPr lang="en-US" altLang="ja-JP" dirty="0">
-                <a:solidFill>
-                  <a:schemeClr val="bg1"/>
-                </a:solidFill>
-                <a:latin typeface="ＭＳ Ｐゴシック" panose="020B0600070205080204" pitchFamily="50" charset="-128"/>
-                <a:ea typeface="ＭＳ Ｐゴシック" panose="020B0600070205080204" pitchFamily="50" charset="-128"/>
-              </a:rPr>
-              <a:t>  React.createElement</a:t>
-            </a:r>
-            <a:r>
-              <a:rPr lang="en-US" altLang="ja-JP" dirty="0" smtClean="0">
-                <a:solidFill>
-                  <a:schemeClr val="bg1"/>
-                </a:solidFill>
-                <a:latin typeface="ＭＳ Ｐゴシック" panose="020B0600070205080204" pitchFamily="50" charset="-128"/>
-                <a:ea typeface="ＭＳ Ｐゴシック" panose="020B0600070205080204" pitchFamily="50" charset="-128"/>
-              </a:rPr>
-              <a:t>(‘li', </a:t>
-            </a:r>
-            <a:r>
-              <a:rPr lang="en-US" altLang="ja-JP" dirty="0">
-                <a:solidFill>
-                  <a:schemeClr val="bg1"/>
-                </a:solidFill>
-                <a:latin typeface="ＭＳ Ｐゴシック" panose="020B0600070205080204" pitchFamily="50" charset="-128"/>
-                <a:ea typeface="ＭＳ Ｐゴシック" panose="020B0600070205080204" pitchFamily="50" charset="-128"/>
-              </a:rPr>
-              <a:t>null, </a:t>
-            </a:r>
-            <a:r>
-              <a:rPr lang="en-US" altLang="ja-JP" dirty="0" smtClean="0">
-                <a:solidFill>
-                  <a:schemeClr val="bg1"/>
-                </a:solidFill>
-                <a:latin typeface="ＭＳ Ｐゴシック" panose="020B0600070205080204" pitchFamily="50" charset="-128"/>
-                <a:ea typeface="ＭＳ Ｐゴシック" panose="020B0600070205080204" pitchFamily="50" charset="-128"/>
-              </a:rPr>
-              <a:t>‘first text!!'),</a:t>
-            </a:r>
-            <a:endParaRPr lang="en-US" altLang="ja-JP" dirty="0">
-              <a:solidFill>
-                <a:schemeClr val="bg1"/>
-              </a:solidFill>
-              <a:latin typeface="ＭＳ Ｐゴシック" panose="020B0600070205080204" pitchFamily="50" charset="-128"/>
-              <a:ea typeface="ＭＳ Ｐゴシック" panose="020B0600070205080204" pitchFamily="50" charset="-128"/>
-            </a:endParaRPr>
-          </a:p>
-          <a:p>
-            <a:r>
-              <a:rPr lang="en-US" altLang="ja-JP" dirty="0" smtClean="0">
-                <a:solidFill>
-                  <a:schemeClr val="bg1"/>
-                </a:solidFill>
-                <a:latin typeface="ＭＳ Ｐゴシック" panose="020B0600070205080204" pitchFamily="50" charset="-128"/>
-                <a:ea typeface="ＭＳ Ｐゴシック" panose="020B0600070205080204" pitchFamily="50" charset="-128"/>
-              </a:rPr>
-              <a:t>  </a:t>
-            </a:r>
-            <a:r>
-              <a:rPr lang="en-US" altLang="ja-JP" dirty="0">
-                <a:solidFill>
-                  <a:schemeClr val="bg1"/>
-                </a:solidFill>
-                <a:latin typeface="ＭＳ Ｐゴシック" panose="020B0600070205080204" pitchFamily="50" charset="-128"/>
-                <a:ea typeface="ＭＳ Ｐゴシック" panose="020B0600070205080204" pitchFamily="50" charset="-128"/>
-              </a:rPr>
-              <a:t>React.createElement</a:t>
-            </a:r>
-            <a:r>
-              <a:rPr lang="en-US" altLang="ja-JP" dirty="0" smtClean="0">
-                <a:solidFill>
-                  <a:schemeClr val="bg1"/>
-                </a:solidFill>
-                <a:latin typeface="ＭＳ Ｐゴシック" panose="020B0600070205080204" pitchFamily="50" charset="-128"/>
-                <a:ea typeface="ＭＳ Ｐゴシック" panose="020B0600070205080204" pitchFamily="50" charset="-128"/>
-              </a:rPr>
-              <a:t>(‘li', </a:t>
-            </a:r>
-            <a:r>
-              <a:rPr lang="en-US" altLang="ja-JP" dirty="0">
-                <a:solidFill>
-                  <a:schemeClr val="bg1"/>
-                </a:solidFill>
-                <a:latin typeface="ＭＳ Ｐゴシック" panose="020B0600070205080204" pitchFamily="50" charset="-128"/>
-                <a:ea typeface="ＭＳ Ｐゴシック" panose="020B0600070205080204" pitchFamily="50" charset="-128"/>
-              </a:rPr>
-              <a:t>null, </a:t>
-            </a:r>
-            <a:r>
-              <a:rPr lang="en-US" altLang="ja-JP" dirty="0" smtClean="0">
-                <a:solidFill>
-                  <a:schemeClr val="bg1"/>
-                </a:solidFill>
-                <a:latin typeface="ＭＳ Ｐゴシック" panose="020B0600070205080204" pitchFamily="50" charset="-128"/>
-                <a:ea typeface="ＭＳ Ｐゴシック" panose="020B0600070205080204" pitchFamily="50" charset="-128"/>
-              </a:rPr>
-              <a:t>‘second text!!'),</a:t>
-            </a:r>
-            <a:endParaRPr lang="en-US" altLang="ja-JP" dirty="0">
-              <a:solidFill>
-                <a:schemeClr val="bg1"/>
-              </a:solidFill>
-              <a:latin typeface="ＭＳ Ｐゴシック" panose="020B0600070205080204" pitchFamily="50" charset="-128"/>
-              <a:ea typeface="ＭＳ Ｐゴシック" panose="020B0600070205080204" pitchFamily="50" charset="-128"/>
-            </a:endParaRPr>
-          </a:p>
-          <a:p>
-            <a:r>
-              <a:rPr lang="en-US" altLang="ja-JP" dirty="0" smtClean="0">
-                <a:solidFill>
-                  <a:schemeClr val="bg1"/>
-                </a:solidFill>
-                <a:latin typeface="ＭＳ Ｐゴシック" panose="020B0600070205080204" pitchFamily="50" charset="-128"/>
-                <a:ea typeface="ＭＳ Ｐゴシック" panose="020B0600070205080204" pitchFamily="50" charset="-128"/>
-              </a:rPr>
-              <a:t>)</a:t>
-            </a:r>
-            <a:endParaRPr lang="ja-JP" altLang="en-US" dirty="0">
-              <a:solidFill>
-                <a:schemeClr val="bg1"/>
-              </a:solidFill>
-              <a:latin typeface="ＭＳ Ｐゴシック" panose="020B0600070205080204" pitchFamily="50" charset="-128"/>
-              <a:ea typeface="ＭＳ Ｐゴシック" panose="020B0600070205080204" pitchFamily="50" charset="-128"/>
-            </a:endParaRPr>
-          </a:p>
-        </p:txBody>
-      </p:sp>
-      <p:cxnSp>
-        <p:nvCxnSpPr>
-          <p:cNvPr id="13" name="直線コネクタ 12"/>
-          <p:cNvCxnSpPr/>
-          <p:nvPr/>
-        </p:nvCxnSpPr>
-        <p:spPr>
-          <a:xfrm>
-            <a:off x="6127341" y="3710354"/>
-            <a:ext cx="0" cy="2251840"/>
-          </a:xfrm>
-          <a:prstGeom prst="line">
-            <a:avLst/>
-          </a:prstGeom>
-        </p:spPr>
-        <p:style>
-          <a:lnRef idx="1">
-            <a:schemeClr val="dk1"/>
-          </a:lnRef>
-          <a:fillRef idx="0">
-            <a:schemeClr val="dk1"/>
-          </a:fillRef>
-          <a:effectRef idx="0">
-            <a:schemeClr val="dk1"/>
-          </a:effectRef>
-          <a:fontRef idx="minor">
-            <a:schemeClr val="tx1"/>
-          </a:fontRef>
-        </p:style>
-      </p:cxnSp>
-      <p:sp>
-        <p:nvSpPr>
-          <p:cNvPr id="15" name="コンテンツ プレースホルダー 3"/>
-          <p:cNvSpPr txBox="1">
-            <a:spLocks/>
-          </p:cNvSpPr>
-          <p:nvPr/>
-        </p:nvSpPr>
-        <p:spPr>
-          <a:xfrm>
-            <a:off x="6460552" y="4310642"/>
-            <a:ext cx="5221655" cy="1641784"/>
-          </a:xfrm>
-          <a:prstGeom prst="rect">
-            <a:avLst/>
-          </a:prstGeom>
-          <a:solidFill>
-            <a:srgbClr val="333F50"/>
-          </a:solidFill>
-          <a:ln>
-            <a:solidFill>
-              <a:schemeClr val="bg1">
-                <a:lumMod val="95000"/>
-              </a:schemeClr>
-            </a:solidFill>
-          </a:ln>
-        </p:spPr>
-        <p:txBody>
-          <a:bodyPr anchor="ctr"/>
-          <a:lstStyle>
-            <a:lvl1pPr marL="228600" indent="-228600" algn="l" defTabSz="914400" rtl="0" eaLnBrk="1" latinLnBrk="0" hangingPunct="1">
-              <a:lnSpc>
-                <a:spcPct val="90000"/>
-              </a:lnSpc>
-              <a:spcBef>
-                <a:spcPts val="1000"/>
-              </a:spcBef>
-              <a:buFont typeface="Arial" panose="020B0604020202020204" pitchFamily="34" charset="0"/>
-              <a:buChar char="•"/>
-              <a:defRPr kumimoji="1" sz="2000" kern="1200">
-                <a:solidFill>
-                  <a:schemeClr val="tx1"/>
-                </a:solidFill>
-                <a:latin typeface="Meiryo UI" panose="020B0604030504040204" pitchFamily="50" charset="-128"/>
-                <a:ea typeface="Meiryo UI" panose="020B0604030504040204" pitchFamily="50" charset="-128"/>
-                <a:cs typeface="+mn-cs"/>
-              </a:defRPr>
-            </a:lvl1pPr>
-            <a:lvl2pPr marL="685800" indent="-228600" algn="l" defTabSz="914400" rtl="0" eaLnBrk="1" latinLnBrk="0" hangingPunct="1">
-              <a:lnSpc>
-                <a:spcPct val="90000"/>
-              </a:lnSpc>
-              <a:spcBef>
-                <a:spcPts val="500"/>
-              </a:spcBef>
-              <a:buFont typeface="Arial" panose="020B0604020202020204" pitchFamily="34" charset="0"/>
-              <a:buChar char="•"/>
-              <a:defRPr kumimoji="1" sz="1800" kern="1200">
-                <a:solidFill>
-                  <a:schemeClr val="tx1"/>
-                </a:solidFill>
-                <a:latin typeface="Meiryo UI" panose="020B0604030504040204" pitchFamily="50" charset="-128"/>
-                <a:ea typeface="Meiryo UI" panose="020B0604030504040204" pitchFamily="50" charset="-128"/>
-                <a:cs typeface="+mn-cs"/>
-              </a:defRPr>
-            </a:lvl2pPr>
-            <a:lvl3pPr marL="1143000" indent="-228600" algn="l" defTabSz="914400" rtl="0" eaLnBrk="1" latinLnBrk="0" hangingPunct="1">
-              <a:lnSpc>
-                <a:spcPct val="90000"/>
-              </a:lnSpc>
-              <a:spcBef>
-                <a:spcPts val="500"/>
-              </a:spcBef>
-              <a:buFont typeface="Arial" panose="020B0604020202020204" pitchFamily="34" charset="0"/>
-              <a:buChar char="•"/>
-              <a:defRPr kumimoji="1" sz="1600" kern="1200">
-                <a:solidFill>
-                  <a:schemeClr val="tx1"/>
-                </a:solidFill>
-                <a:latin typeface="Meiryo UI" panose="020B0604030504040204" pitchFamily="50" charset="-128"/>
-                <a:ea typeface="Meiryo UI" panose="020B0604030504040204" pitchFamily="50" charset="-128"/>
-                <a:cs typeface="+mn-cs"/>
-              </a:defRPr>
-            </a:lvl3pPr>
-            <a:lvl4pPr marL="1600200" indent="-228600" algn="l" defTabSz="914400" rtl="0" eaLnBrk="1" latinLnBrk="0" hangingPunct="1">
-              <a:lnSpc>
-                <a:spcPct val="90000"/>
-              </a:lnSpc>
-              <a:spcBef>
-                <a:spcPts val="500"/>
-              </a:spcBef>
-              <a:buFont typeface="Arial" panose="020B0604020202020204" pitchFamily="34" charset="0"/>
-              <a:buChar char="•"/>
-              <a:defRPr kumimoji="1" sz="1400" kern="1200">
-                <a:solidFill>
-                  <a:schemeClr val="tx1"/>
-                </a:solidFill>
-                <a:latin typeface="Meiryo UI" panose="020B0604030504040204" pitchFamily="50" charset="-128"/>
-                <a:ea typeface="Meiryo UI" panose="020B0604030504040204" pitchFamily="50" charset="-128"/>
-                <a:cs typeface="+mn-cs"/>
-              </a:defRPr>
-            </a:lvl4pPr>
-            <a:lvl5pPr marL="2057400" indent="-228600" algn="l" defTabSz="914400" rtl="0" eaLnBrk="1" latinLnBrk="0" hangingPunct="1">
-              <a:lnSpc>
-                <a:spcPct val="90000"/>
-              </a:lnSpc>
-              <a:spcBef>
-                <a:spcPts val="500"/>
-              </a:spcBef>
-              <a:buFont typeface="Arial" panose="020B0604020202020204" pitchFamily="34" charset="0"/>
-              <a:buChar char="•"/>
-              <a:defRPr kumimoji="1" sz="1200" kern="1200">
-                <a:solidFill>
-                  <a:schemeClr val="tx1"/>
-                </a:solidFill>
-                <a:latin typeface="Meiryo UI" panose="020B0604030504040204" pitchFamily="50" charset="-128"/>
-                <a:ea typeface="Meiryo UI" panose="020B0604030504040204" pitchFamily="50" charset="-128"/>
-                <a:cs typeface="+mn-cs"/>
-              </a:defRPr>
-            </a:lvl5pPr>
-            <a:lvl6pPr marL="2514600" indent="-228600" algn="l" defTabSz="914400" rtl="0" eaLnBrk="1" latinLnBrk="0" hangingPunct="1">
-              <a:lnSpc>
-                <a:spcPct val="90000"/>
-              </a:lnSpc>
-              <a:spcBef>
-                <a:spcPts val="500"/>
-              </a:spcBef>
-              <a:buFont typeface="Arial" panose="020B0604020202020204" pitchFamily="34" charset="0"/>
-              <a:buChar char="•"/>
-              <a:defRPr kumimoji="1" sz="1800" kern="1200">
-                <a:solidFill>
-                  <a:schemeClr val="tx1"/>
-                </a:solidFill>
-                <a:latin typeface="+mn-lt"/>
-                <a:ea typeface="+mn-ea"/>
-                <a:cs typeface="+mn-cs"/>
-              </a:defRPr>
-            </a:lvl6pPr>
-            <a:lvl7pPr marL="2971800" indent="-228600" algn="l" defTabSz="914400" rtl="0" eaLnBrk="1" latinLnBrk="0" hangingPunct="1">
-              <a:lnSpc>
-                <a:spcPct val="90000"/>
-              </a:lnSpc>
-              <a:spcBef>
-                <a:spcPts val="500"/>
-              </a:spcBef>
-              <a:buFont typeface="Arial" panose="020B0604020202020204" pitchFamily="34" charset="0"/>
-              <a:buChar char="•"/>
-              <a:defRPr kumimoji="1" sz="1800" kern="1200">
-                <a:solidFill>
-                  <a:schemeClr val="tx1"/>
-                </a:solidFill>
-                <a:latin typeface="+mn-lt"/>
-                <a:ea typeface="+mn-ea"/>
-                <a:cs typeface="+mn-cs"/>
-              </a:defRPr>
-            </a:lvl7pPr>
-            <a:lvl8pPr marL="3429000" indent="-228600" algn="l" defTabSz="914400" rtl="0" eaLnBrk="1" latinLnBrk="0" hangingPunct="1">
-              <a:lnSpc>
-                <a:spcPct val="90000"/>
-              </a:lnSpc>
-              <a:spcBef>
-                <a:spcPts val="500"/>
-              </a:spcBef>
-              <a:buFont typeface="Arial" panose="020B0604020202020204" pitchFamily="34" charset="0"/>
-              <a:buChar char="•"/>
-              <a:defRPr kumimoji="1" sz="1800" kern="1200">
-                <a:solidFill>
-                  <a:schemeClr val="tx1"/>
-                </a:solidFill>
-                <a:latin typeface="+mn-lt"/>
-                <a:ea typeface="+mn-ea"/>
-                <a:cs typeface="+mn-cs"/>
-              </a:defRPr>
-            </a:lvl8pPr>
-            <a:lvl9pPr marL="3886200" indent="-228600" algn="l" defTabSz="914400" rtl="0" eaLnBrk="1" latinLnBrk="0" hangingPunct="1">
-              <a:lnSpc>
-                <a:spcPct val="90000"/>
-              </a:lnSpc>
-              <a:spcBef>
-                <a:spcPts val="500"/>
-              </a:spcBef>
-              <a:buFont typeface="Arial" panose="020B0604020202020204" pitchFamily="34" charset="0"/>
-              <a:buChar char="•"/>
-              <a:defRPr kumimoji="1" sz="1800" kern="1200">
-                <a:solidFill>
-                  <a:schemeClr val="tx1"/>
-                </a:solidFill>
-                <a:latin typeface="+mn-lt"/>
-                <a:ea typeface="+mn-ea"/>
-                <a:cs typeface="+mn-cs"/>
-              </a:defRPr>
-            </a:lvl9pPr>
-          </a:lstStyle>
-          <a:p>
-            <a:pPr marL="0" indent="0">
-              <a:buNone/>
-            </a:pPr>
-            <a:endParaRPr lang="ja-JP" altLang="en-US" sz="1800" dirty="0">
-              <a:solidFill>
-                <a:schemeClr val="bg1"/>
-              </a:solidFill>
-              <a:latin typeface="ＭＳ Ｐゴシック" panose="020B0600070205080204" pitchFamily="50" charset="-128"/>
-              <a:ea typeface="ＭＳ Ｐゴシック" panose="020B0600070205080204" pitchFamily="50" charset="-128"/>
-            </a:endParaRPr>
-          </a:p>
-        </p:txBody>
-      </p:sp>
-      <p:sp>
-        <p:nvSpPr>
-          <p:cNvPr id="16" name="テキスト ボックス 15"/>
-          <p:cNvSpPr txBox="1"/>
-          <p:nvPr/>
-        </p:nvSpPr>
-        <p:spPr>
-          <a:xfrm>
-            <a:off x="6491907" y="4325323"/>
-            <a:ext cx="5105149" cy="1200329"/>
-          </a:xfrm>
-          <a:prstGeom prst="rect">
-            <a:avLst/>
-          </a:prstGeom>
-          <a:noFill/>
-        </p:spPr>
-        <p:txBody>
-          <a:bodyPr wrap="square" rtlCol="0">
-            <a:spAutoFit/>
-          </a:bodyPr>
-          <a:lstStyle/>
-          <a:p>
-            <a:r>
-              <a:rPr lang="en-US" altLang="ja-JP" dirty="0" smtClean="0">
-                <a:solidFill>
-                  <a:schemeClr val="bg1"/>
-                </a:solidFill>
-                <a:latin typeface="ＭＳ Ｐゴシック" panose="020B0600070205080204" pitchFamily="50" charset="-128"/>
-                <a:ea typeface="ＭＳ Ｐゴシック" panose="020B0600070205080204" pitchFamily="50" charset="-128"/>
-              </a:rPr>
-              <a:t>&lt;ul className=“sample”&gt;</a:t>
-            </a:r>
-          </a:p>
-          <a:p>
-            <a:r>
-              <a:rPr lang="en-US" altLang="ja-JP" dirty="0" smtClean="0">
-                <a:solidFill>
-                  <a:schemeClr val="bg1"/>
-                </a:solidFill>
-                <a:latin typeface="ＭＳ Ｐゴシック" panose="020B0600070205080204" pitchFamily="50" charset="-128"/>
-                <a:ea typeface="ＭＳ Ｐゴシック" panose="020B0600070205080204" pitchFamily="50" charset="-128"/>
-              </a:rPr>
-              <a:t>  &lt;li&gt;first text!!&lt;/li&gt;</a:t>
-            </a:r>
-          </a:p>
-          <a:p>
-            <a:r>
-              <a:rPr lang="en-US" altLang="ja-JP" dirty="0">
-                <a:solidFill>
-                  <a:schemeClr val="bg1"/>
-                </a:solidFill>
-                <a:latin typeface="ＭＳ Ｐゴシック" panose="020B0600070205080204" pitchFamily="50" charset="-128"/>
-                <a:ea typeface="ＭＳ Ｐゴシック" panose="020B0600070205080204" pitchFamily="50" charset="-128"/>
-              </a:rPr>
-              <a:t> </a:t>
-            </a:r>
-            <a:r>
-              <a:rPr lang="en-US" altLang="ja-JP" dirty="0" smtClean="0">
-                <a:solidFill>
-                  <a:schemeClr val="bg1"/>
-                </a:solidFill>
-                <a:latin typeface="ＭＳ Ｐゴシック" panose="020B0600070205080204" pitchFamily="50" charset="-128"/>
-                <a:ea typeface="ＭＳ Ｐゴシック" panose="020B0600070205080204" pitchFamily="50" charset="-128"/>
-              </a:rPr>
-              <a:t> &lt;li&gt;second text!!&lt;/li&gt;</a:t>
-            </a:r>
-          </a:p>
-          <a:p>
-            <a:r>
-              <a:rPr lang="en-US" altLang="ja-JP" dirty="0" smtClean="0">
-                <a:solidFill>
-                  <a:schemeClr val="bg1"/>
-                </a:solidFill>
-                <a:latin typeface="ＭＳ Ｐゴシック" panose="020B0600070205080204" pitchFamily="50" charset="-128"/>
-                <a:ea typeface="ＭＳ Ｐゴシック" panose="020B0600070205080204" pitchFamily="50" charset="-128"/>
-              </a:rPr>
-              <a:t>&lt;/ul&gt;</a:t>
-            </a:r>
-            <a:endParaRPr lang="ja-JP" altLang="en-US" dirty="0">
-              <a:solidFill>
-                <a:schemeClr val="bg1"/>
-              </a:solidFill>
-              <a:latin typeface="ＭＳ Ｐゴシック" panose="020B0600070205080204" pitchFamily="50" charset="-128"/>
-              <a:ea typeface="ＭＳ Ｐゴシック" panose="020B0600070205080204" pitchFamily="50" charset="-128"/>
-            </a:endParaRPr>
-          </a:p>
-        </p:txBody>
-      </p:sp>
-      <p:sp>
-        <p:nvSpPr>
-          <p:cNvPr id="5" name="正方形/長方形 4"/>
-          <p:cNvSpPr/>
-          <p:nvPr/>
-        </p:nvSpPr>
-        <p:spPr>
-          <a:xfrm>
-            <a:off x="2725613" y="5796981"/>
-            <a:ext cx="6849581" cy="734939"/>
-          </a:xfrm>
-          <a:prstGeom prst="rect">
-            <a:avLst/>
-          </a:prstGeom>
-          <a:solidFill>
-            <a:schemeClr val="bg1"/>
-          </a:solidFill>
-          <a:ln w="28575">
-            <a:solidFill>
-              <a:srgbClr val="3399FF"/>
-            </a:solidFill>
-          </a:ln>
-        </p:spPr>
-        <p:style>
-          <a:lnRef idx="2">
-            <a:schemeClr val="accent1">
-              <a:shade val="50000"/>
-            </a:schemeClr>
-          </a:lnRef>
-          <a:fillRef idx="1">
-            <a:schemeClr val="accent1"/>
-          </a:fillRef>
-          <a:effectRef idx="0">
-            <a:schemeClr val="accent1"/>
-          </a:effectRef>
-          <a:fontRef idx="minor">
-            <a:schemeClr val="lt1"/>
-          </a:fontRef>
-        </p:style>
-        <p:txBody>
-          <a:bodyPr rtlCol="0" anchor="ctr"/>
-          <a:lstStyle/>
-          <a:p>
-            <a:r>
-              <a:rPr lang="ja-JP" altLang="en-US" dirty="0" smtClean="0">
-                <a:solidFill>
-                  <a:schemeClr val="tx1">
-                    <a:lumMod val="85000"/>
-                    <a:lumOff val="15000"/>
-                  </a:schemeClr>
-                </a:solidFill>
-              </a:rPr>
-              <a:t>構造が複雑化してくると、</a:t>
-            </a:r>
-            <a:r>
-              <a:rPr lang="en-US" altLang="ja-JP" dirty="0" smtClean="0">
-                <a:solidFill>
-                  <a:schemeClr val="tx1">
-                    <a:lumMod val="85000"/>
-                    <a:lumOff val="15000"/>
-                  </a:schemeClr>
-                </a:solidFill>
-              </a:rPr>
-              <a:t>JSX</a:t>
-            </a:r>
-            <a:r>
-              <a:rPr lang="ja-JP" altLang="en-US" dirty="0" smtClean="0">
-                <a:solidFill>
-                  <a:schemeClr val="tx1">
-                    <a:lumMod val="85000"/>
-                    <a:lumOff val="15000"/>
-                  </a:schemeClr>
-                </a:solidFill>
-              </a:rPr>
-              <a:t>を使用した方が感覚的に分かりやすい！</a:t>
-            </a:r>
-            <a:endParaRPr lang="ja-JP" altLang="en-US" dirty="0">
-              <a:solidFill>
-                <a:schemeClr val="tx1">
-                  <a:lumMod val="85000"/>
-                  <a:lumOff val="15000"/>
-                </a:schemeClr>
-              </a:solidFill>
-            </a:endParaRPr>
-          </a:p>
-        </p:txBody>
-      </p:sp>
-      <p:sp>
-        <p:nvSpPr>
-          <p:cNvPr id="18" name="テキスト ボックス 17"/>
-          <p:cNvSpPr txBox="1"/>
-          <p:nvPr/>
-        </p:nvSpPr>
-        <p:spPr>
-          <a:xfrm>
-            <a:off x="431799" y="3719187"/>
-            <a:ext cx="1648208" cy="461665"/>
-          </a:xfrm>
-          <a:prstGeom prst="rect">
-            <a:avLst/>
-          </a:prstGeom>
-          <a:noFill/>
-        </p:spPr>
-        <p:txBody>
-          <a:bodyPr wrap="none" rtlCol="0">
-            <a:spAutoFit/>
-          </a:bodyPr>
-          <a:lstStyle/>
-          <a:p>
-            <a:r>
-              <a:rPr kumimoji="1" lang="en-US" altLang="ja-JP" sz="2400" dirty="0" smtClean="0"/>
-              <a:t>JSX</a:t>
-            </a:r>
-            <a:r>
-              <a:rPr lang="ja-JP" altLang="en-US" sz="2400" dirty="0"/>
-              <a:t>未使用</a:t>
-            </a:r>
-            <a:endParaRPr kumimoji="1" lang="ja-JP" altLang="en-US" sz="2400" dirty="0"/>
-          </a:p>
-        </p:txBody>
-      </p:sp>
-      <p:sp>
-        <p:nvSpPr>
-          <p:cNvPr id="19" name="テキスト ボックス 18"/>
-          <p:cNvSpPr txBox="1"/>
-          <p:nvPr/>
-        </p:nvSpPr>
-        <p:spPr>
-          <a:xfrm>
-            <a:off x="6381766" y="3725254"/>
-            <a:ext cx="1375698" cy="461665"/>
-          </a:xfrm>
-          <a:prstGeom prst="rect">
-            <a:avLst/>
-          </a:prstGeom>
-          <a:noFill/>
-        </p:spPr>
-        <p:txBody>
-          <a:bodyPr wrap="none" rtlCol="0">
-            <a:spAutoFit/>
-          </a:bodyPr>
-          <a:lstStyle/>
-          <a:p>
-            <a:r>
-              <a:rPr lang="en-US" altLang="ja-JP" sz="2400" dirty="0" smtClean="0"/>
-              <a:t>JSX</a:t>
-            </a:r>
-            <a:r>
-              <a:rPr lang="ja-JP" altLang="en-US" sz="2400" dirty="0"/>
-              <a:t>使用</a:t>
-            </a:r>
-            <a:endParaRPr kumimoji="1" lang="ja-JP" altLang="en-US" sz="2400" dirty="0"/>
-          </a:p>
-        </p:txBody>
-      </p:sp>
-      <p:sp>
-        <p:nvSpPr>
-          <p:cNvPr id="14" name="右矢印 13"/>
-          <p:cNvSpPr/>
-          <p:nvPr/>
-        </p:nvSpPr>
-        <p:spPr>
-          <a:xfrm>
-            <a:off x="5411881" y="4602647"/>
-            <a:ext cx="1208849" cy="910817"/>
-          </a:xfrm>
-          <a:prstGeom prst="rightArrow">
-            <a:avLst>
-              <a:gd name="adj1" fmla="val 50000"/>
-              <a:gd name="adj2" fmla="val 64084"/>
-            </a:avLst>
-          </a:prstGeom>
-          <a:solidFill>
-            <a:srgbClr val="3399FF"/>
-          </a:solidFill>
-        </p:spPr>
-        <p:style>
-          <a:lnRef idx="2">
-            <a:schemeClr val="accent1">
-              <a:shade val="50000"/>
-            </a:schemeClr>
-          </a:lnRef>
-          <a:fillRef idx="1">
-            <a:schemeClr val="accent1"/>
-          </a:fillRef>
-          <a:effectRef idx="0">
-            <a:schemeClr val="accent1"/>
-          </a:effectRef>
-          <a:fontRef idx="minor">
-            <a:schemeClr val="lt1"/>
-          </a:fontRef>
-        </p:style>
-        <p:txBody>
-          <a:bodyPr rtlCol="0" anchor="ctr"/>
-          <a:lstStyle/>
-          <a:p>
-            <a:pPr algn="ctr"/>
-            <a:endParaRPr kumimoji="1" lang="ja-JP" altLang="en-US"/>
-          </a:p>
-        </p:txBody>
-      </p:sp>
-    </p:spTree>
-    <p:extLst>
-      <p:ext uri="{BB962C8B-B14F-4D97-AF65-F5344CB8AC3E}">
-        <p14:creationId xmlns:p14="http://schemas.microsoft.com/office/powerpoint/2010/main" val="1460784336"/>
-      </p:ext>
-    </p:extLst>
-  </p:cSld>
-  <p:clrMapOvr>
-    <a:masterClrMapping/>
-  </p:clrMapOvr>
-  <p:timing>
-    <p:tnLst>
-      <p:par>
-        <p:cTn id="1" dur="indefinite" restart="never" nodeType="tmRoot"/>
-      </p:par>
-    </p:tnLst>
-  </p:timing>
-</p:sld>
-</file>
-
-<file path=ppt/slides/slide3.xml><?xml version="1.0" encoding="utf-8"?>
 <p:sld xmlns:a="http://schemas.openxmlformats.org/drawingml/2006/main" xmlns:r="http://schemas.openxmlformats.org/officeDocument/2006/relationships" xmlns:p="http://schemas.openxmlformats.org/presentationml/2006/main">
   <p:cSld>
     <p:spTree>
@@ -6412,7 +5076,7 @@
 </p:sld>
 </file>
 
-<file path=ppt/slides/slide4.xml><?xml version="1.0" encoding="utf-8"?>
+<file path=ppt/slides/slide3.xml><?xml version="1.0" encoding="utf-8"?>
 <p:sld xmlns:a="http://schemas.openxmlformats.org/drawingml/2006/main" xmlns:r="http://schemas.openxmlformats.org/officeDocument/2006/relationships" xmlns:p="http://schemas.openxmlformats.org/presentationml/2006/main">
   <p:cSld>
     <p:spTree>
@@ -8715,7 +7379,7 @@
 </p:sld>
 </file>
 
-<file path=ppt/slides/slide5.xml><?xml version="1.0" encoding="utf-8"?>
+<file path=ppt/slides/slide4.xml><?xml version="1.0" encoding="utf-8"?>
 <p:sld xmlns:a="http://schemas.openxmlformats.org/drawingml/2006/main" xmlns:r="http://schemas.openxmlformats.org/officeDocument/2006/relationships" xmlns:p="http://schemas.openxmlformats.org/presentationml/2006/main">
   <p:cSld>
     <p:spTree>
@@ -9965,7 +8629,7 @@
 </p:sld>
 </file>
 
-<file path=ppt/slides/slide6.xml><?xml version="1.0" encoding="utf-8"?>
+<file path=ppt/slides/slide5.xml><?xml version="1.0" encoding="utf-8"?>
 <p:sld xmlns:a="http://schemas.openxmlformats.org/drawingml/2006/main" xmlns:r="http://schemas.openxmlformats.org/officeDocument/2006/relationships" xmlns:p="http://schemas.openxmlformats.org/presentationml/2006/main">
   <p:cSld>
     <p:spTree>
@@ -11858,6 +10522,1292 @@
     <p:extLst>
       <p:ext uri="{BB962C8B-B14F-4D97-AF65-F5344CB8AC3E}">
         <p14:creationId xmlns:p14="http://schemas.microsoft.com/office/powerpoint/2010/main" val="1538530470"/>
+      </p:ext>
+    </p:extLst>
+  </p:cSld>
+  <p:clrMapOvr>
+    <a:masterClrMapping/>
+  </p:clrMapOvr>
+  <p:timing>
+    <p:tnLst>
+      <p:par>
+        <p:cTn id="1" dur="indefinite" restart="never" nodeType="tmRoot"/>
+      </p:par>
+    </p:tnLst>
+  </p:timing>
+</p:sld>
+</file>
+
+<file path=ppt/slides/slide6.xml><?xml version="1.0" encoding="utf-8"?>
+<p:sld xmlns:a="http://schemas.openxmlformats.org/drawingml/2006/main" xmlns:r="http://schemas.openxmlformats.org/officeDocument/2006/relationships" xmlns:p="http://schemas.openxmlformats.org/presentationml/2006/main">
+  <p:cSld>
+    <p:spTree>
+      <p:nvGrpSpPr>
+        <p:cNvPr id="1" name=""/>
+        <p:cNvGrpSpPr/>
+        <p:nvPr/>
+      </p:nvGrpSpPr>
+      <p:grpSpPr>
+        <a:xfrm>
+          <a:off x="0" y="0"/>
+          <a:ext cx="0" cy="0"/>
+          <a:chOff x="0" y="0"/>
+          <a:chExt cx="0" cy="0"/>
+        </a:xfrm>
+      </p:grpSpPr>
+      <p:sp>
+        <p:nvSpPr>
+          <p:cNvPr id="2" name="タイトル 1"/>
+          <p:cNvSpPr>
+            <a:spLocks noGrp="1"/>
+          </p:cNvSpPr>
+          <p:nvPr>
+            <p:ph type="title"/>
+          </p:nvPr>
+        </p:nvSpPr>
+        <p:spPr/>
+        <p:txBody>
+          <a:bodyPr/>
+          <a:lstStyle/>
+          <a:p>
+            <a:r>
+              <a:rPr kumimoji="1" lang="en-US" altLang="ja-JP" dirty="0" smtClean="0"/>
+              <a:t>JSX</a:t>
+            </a:r>
+            <a:r>
+              <a:rPr lang="ja-JP" altLang="en-US" dirty="0"/>
+              <a:t> </a:t>
+            </a:r>
+            <a:r>
+              <a:rPr kumimoji="1" lang="ja-JP" altLang="en-US" dirty="0" smtClean="0"/>
+              <a:t>－ </a:t>
+            </a:r>
+            <a:r>
+              <a:rPr kumimoji="1" lang="ja-JP" altLang="en-US" dirty="0" smtClean="0"/>
+              <a:t>補足</a:t>
+            </a:r>
+            <a:endParaRPr kumimoji="1" lang="ja-JP" altLang="en-US" dirty="0"/>
+          </a:p>
+        </p:txBody>
+      </p:sp>
+      <p:sp>
+        <p:nvSpPr>
+          <p:cNvPr id="3" name="テキスト ボックス 2"/>
+          <p:cNvSpPr txBox="1"/>
+          <p:nvPr/>
+        </p:nvSpPr>
+        <p:spPr>
+          <a:xfrm>
+            <a:off x="440591" y="2163890"/>
+            <a:ext cx="904415" cy="461665"/>
+          </a:xfrm>
+          <a:prstGeom prst="rect">
+            <a:avLst/>
+          </a:prstGeom>
+          <a:noFill/>
+        </p:spPr>
+        <p:txBody>
+          <a:bodyPr wrap="none" rtlCol="0">
+            <a:spAutoFit/>
+          </a:bodyPr>
+          <a:lstStyle/>
+          <a:p>
+            <a:r>
+              <a:rPr kumimoji="1" lang="en-US" altLang="ja-JP" sz="2400" dirty="0" smtClean="0"/>
+              <a:t>class</a:t>
+            </a:r>
+            <a:endParaRPr kumimoji="1" lang="ja-JP" altLang="en-US" sz="2400" dirty="0"/>
+          </a:p>
+        </p:txBody>
+      </p:sp>
+      <p:sp>
+        <p:nvSpPr>
+          <p:cNvPr id="23" name="テキスト ボックス 22"/>
+          <p:cNvSpPr txBox="1"/>
+          <p:nvPr/>
+        </p:nvSpPr>
+        <p:spPr>
+          <a:xfrm>
+            <a:off x="6390558" y="2169957"/>
+            <a:ext cx="596638" cy="461665"/>
+          </a:xfrm>
+          <a:prstGeom prst="rect">
+            <a:avLst/>
+          </a:prstGeom>
+          <a:noFill/>
+        </p:spPr>
+        <p:txBody>
+          <a:bodyPr wrap="none" rtlCol="0">
+            <a:spAutoFit/>
+          </a:bodyPr>
+          <a:lstStyle/>
+          <a:p>
+            <a:r>
+              <a:rPr kumimoji="1" lang="en-US" altLang="ja-JP" sz="2400" dirty="0" smtClean="0"/>
+              <a:t>for</a:t>
+            </a:r>
+            <a:endParaRPr kumimoji="1" lang="ja-JP" altLang="en-US" sz="2400" dirty="0"/>
+          </a:p>
+        </p:txBody>
+      </p:sp>
+      <p:sp>
+        <p:nvSpPr>
+          <p:cNvPr id="24" name="コンテンツ プレースホルダー 3"/>
+          <p:cNvSpPr txBox="1">
+            <a:spLocks/>
+          </p:cNvSpPr>
+          <p:nvPr/>
+        </p:nvSpPr>
+        <p:spPr>
+          <a:xfrm>
+            <a:off x="421964" y="1268361"/>
+            <a:ext cx="11379201" cy="2140685"/>
+          </a:xfrm>
+          <a:prstGeom prst="rect">
+            <a:avLst/>
+          </a:prstGeom>
+          <a:solidFill>
+            <a:schemeClr val="accent1">
+              <a:lumMod val="20000"/>
+              <a:lumOff val="80000"/>
+            </a:schemeClr>
+          </a:solidFill>
+          <a:ln>
+            <a:solidFill>
+              <a:schemeClr val="accent1"/>
+            </a:solidFill>
+          </a:ln>
+        </p:spPr>
+        <p:txBody>
+          <a:bodyPr anchor="ctr"/>
+          <a:lstStyle>
+            <a:defPPr>
+              <a:defRPr lang="ja-JP"/>
+            </a:defPPr>
+            <a:lvl1pPr indent="0">
+              <a:lnSpc>
+                <a:spcPct val="90000"/>
+              </a:lnSpc>
+              <a:spcBef>
+                <a:spcPts val="1000"/>
+              </a:spcBef>
+              <a:buFont typeface="Arial" panose="020B0604020202020204" pitchFamily="34" charset="0"/>
+              <a:buNone/>
+              <a:defRPr sz="2000">
+                <a:latin typeface="Meiryo UI" panose="020B0604030504040204" pitchFamily="50" charset="-128"/>
+                <a:ea typeface="Meiryo UI" panose="020B0604030504040204" pitchFamily="50" charset="-128"/>
+              </a:defRPr>
+            </a:lvl1pPr>
+            <a:lvl2pPr marL="685800" indent="-228600">
+              <a:lnSpc>
+                <a:spcPct val="90000"/>
+              </a:lnSpc>
+              <a:spcBef>
+                <a:spcPts val="500"/>
+              </a:spcBef>
+              <a:buFont typeface="Arial" panose="020B0604020202020204" pitchFamily="34" charset="0"/>
+              <a:buChar char="•"/>
+              <a:defRPr>
+                <a:latin typeface="Meiryo UI" panose="020B0604030504040204" pitchFamily="50" charset="-128"/>
+                <a:ea typeface="Meiryo UI" panose="020B0604030504040204" pitchFamily="50" charset="-128"/>
+              </a:defRPr>
+            </a:lvl2pPr>
+            <a:lvl3pPr marL="1143000" indent="-228600">
+              <a:lnSpc>
+                <a:spcPct val="90000"/>
+              </a:lnSpc>
+              <a:spcBef>
+                <a:spcPts val="500"/>
+              </a:spcBef>
+              <a:buFont typeface="Arial" panose="020B0604020202020204" pitchFamily="34" charset="0"/>
+              <a:buChar char="•"/>
+              <a:defRPr sz="1600">
+                <a:latin typeface="Meiryo UI" panose="020B0604030504040204" pitchFamily="50" charset="-128"/>
+                <a:ea typeface="Meiryo UI" panose="020B0604030504040204" pitchFamily="50" charset="-128"/>
+              </a:defRPr>
+            </a:lvl3pPr>
+            <a:lvl4pPr marL="1600200" indent="-228600">
+              <a:lnSpc>
+                <a:spcPct val="90000"/>
+              </a:lnSpc>
+              <a:spcBef>
+                <a:spcPts val="500"/>
+              </a:spcBef>
+              <a:buFont typeface="Arial" panose="020B0604020202020204" pitchFamily="34" charset="0"/>
+              <a:buChar char="•"/>
+              <a:defRPr sz="1400">
+                <a:latin typeface="Meiryo UI" panose="020B0604030504040204" pitchFamily="50" charset="-128"/>
+                <a:ea typeface="Meiryo UI" panose="020B0604030504040204" pitchFamily="50" charset="-128"/>
+              </a:defRPr>
+            </a:lvl4pPr>
+            <a:lvl5pPr marL="2057400" indent="-228600">
+              <a:lnSpc>
+                <a:spcPct val="90000"/>
+              </a:lnSpc>
+              <a:spcBef>
+                <a:spcPts val="500"/>
+              </a:spcBef>
+              <a:buFont typeface="Arial" panose="020B0604020202020204" pitchFamily="34" charset="0"/>
+              <a:buChar char="•"/>
+              <a:defRPr sz="1200">
+                <a:latin typeface="Meiryo UI" panose="020B0604030504040204" pitchFamily="50" charset="-128"/>
+                <a:ea typeface="Meiryo UI" panose="020B0604030504040204" pitchFamily="50" charset="-128"/>
+              </a:defRPr>
+            </a:lvl5pPr>
+            <a:lvl6pPr marL="2514600" indent="-228600">
+              <a:lnSpc>
+                <a:spcPct val="90000"/>
+              </a:lnSpc>
+              <a:spcBef>
+                <a:spcPts val="500"/>
+              </a:spcBef>
+              <a:buFont typeface="Arial" panose="020B0604020202020204" pitchFamily="34" charset="0"/>
+              <a:buChar char="•"/>
+            </a:lvl6pPr>
+            <a:lvl7pPr marL="2971800" indent="-228600">
+              <a:lnSpc>
+                <a:spcPct val="90000"/>
+              </a:lnSpc>
+              <a:spcBef>
+                <a:spcPts val="500"/>
+              </a:spcBef>
+              <a:buFont typeface="Arial" panose="020B0604020202020204" pitchFamily="34" charset="0"/>
+              <a:buChar char="•"/>
+            </a:lvl7pPr>
+            <a:lvl8pPr marL="3429000" indent="-228600">
+              <a:lnSpc>
+                <a:spcPct val="90000"/>
+              </a:lnSpc>
+              <a:spcBef>
+                <a:spcPts val="500"/>
+              </a:spcBef>
+              <a:buFont typeface="Arial" panose="020B0604020202020204" pitchFamily="34" charset="0"/>
+              <a:buChar char="•"/>
+            </a:lvl8pPr>
+            <a:lvl9pPr marL="3886200" indent="-228600">
+              <a:lnSpc>
+                <a:spcPct val="90000"/>
+              </a:lnSpc>
+              <a:spcBef>
+                <a:spcPts val="500"/>
+              </a:spcBef>
+              <a:buFont typeface="Arial" panose="020B0604020202020204" pitchFamily="34" charset="0"/>
+              <a:buChar char="•"/>
+            </a:lvl9pPr>
+          </a:lstStyle>
+          <a:p>
+            <a:r>
+              <a:rPr lang="en-US" altLang="ja-JP" sz="2400" dirty="0" smtClean="0"/>
+              <a:t>React</a:t>
+            </a:r>
+            <a:r>
+              <a:rPr lang="ja-JP" altLang="en-US" sz="2400" dirty="0" smtClean="0"/>
+              <a:t>を利用する上で、</a:t>
+            </a:r>
+            <a:r>
+              <a:rPr lang="en-US" altLang="ja-JP" sz="2400" dirty="0" smtClean="0"/>
+              <a:t>JSX</a:t>
+            </a:r>
+            <a:r>
+              <a:rPr lang="ja-JP" altLang="en-US" sz="2400" dirty="0" smtClean="0"/>
+              <a:t>は必須ではありません。</a:t>
+            </a:r>
+            <a:endParaRPr lang="en-US" altLang="ja-JP" sz="2400" dirty="0" smtClean="0"/>
+          </a:p>
+          <a:p>
+            <a:r>
+              <a:rPr lang="ja-JP" altLang="en-US" sz="2400" dirty="0" smtClean="0"/>
+              <a:t>タグ形式で記述せず、</a:t>
+            </a:r>
+            <a:r>
+              <a:rPr lang="en-US" altLang="ja-JP" sz="2400" dirty="0" smtClean="0"/>
+              <a:t>React.createElemenet</a:t>
+            </a:r>
+            <a:r>
+              <a:rPr lang="ja-JP" altLang="en-US" sz="2400" dirty="0" smtClean="0"/>
+              <a:t>と記述しても同じ内容がレンダリングされます。</a:t>
+            </a:r>
+            <a:endParaRPr lang="en-US" altLang="ja-JP" sz="2400" dirty="0" smtClean="0"/>
+          </a:p>
+          <a:p>
+            <a:r>
+              <a:rPr lang="ja-JP" altLang="en-US" sz="2400" dirty="0" smtClean="0"/>
+              <a:t>しかし、要素数が複数であったり、階層が深くなるにつれ、</a:t>
+            </a:r>
+            <a:r>
+              <a:rPr lang="en-US" altLang="ja-JP" sz="2400" dirty="0" smtClean="0"/>
+              <a:t>JSX</a:t>
+            </a:r>
+            <a:r>
+              <a:rPr lang="ja-JP" altLang="en-US" sz="2400" dirty="0" smtClean="0"/>
+              <a:t>を使用しない書き方は</a:t>
+            </a:r>
+            <a:endParaRPr lang="en-US" altLang="ja-JP" sz="2400" dirty="0"/>
+          </a:p>
+          <a:p>
+            <a:r>
+              <a:rPr lang="ja-JP" altLang="en-US" sz="2400" dirty="0" smtClean="0"/>
+              <a:t>可読性が悪くなるため</a:t>
+            </a:r>
+            <a:r>
+              <a:rPr lang="ja-JP" altLang="en-US" sz="2400" dirty="0" smtClean="0"/>
+              <a:t>、基本的</a:t>
+            </a:r>
+            <a:r>
+              <a:rPr lang="ja-JP" altLang="en-US" sz="2400" dirty="0" smtClean="0"/>
+              <a:t>に</a:t>
+            </a:r>
+            <a:r>
+              <a:rPr lang="en-US" altLang="ja-JP" sz="2400" dirty="0" smtClean="0"/>
+              <a:t>JSX</a:t>
+            </a:r>
+            <a:r>
+              <a:rPr lang="ja-JP" altLang="en-US" sz="2400" dirty="0" smtClean="0"/>
+              <a:t>を使用した方が良いでしょう。</a:t>
+            </a:r>
+            <a:endParaRPr lang="en-US" altLang="ja-JP" sz="2400" dirty="0" smtClean="0"/>
+          </a:p>
+        </p:txBody>
+      </p:sp>
+      <p:sp>
+        <p:nvSpPr>
+          <p:cNvPr id="6" name="コンテンツ プレースホルダー 3"/>
+          <p:cNvSpPr txBox="1">
+            <a:spLocks/>
+          </p:cNvSpPr>
+          <p:nvPr/>
+        </p:nvSpPr>
+        <p:spPr>
+          <a:xfrm>
+            <a:off x="572476" y="4304575"/>
+            <a:ext cx="5221655" cy="1647851"/>
+          </a:xfrm>
+          <a:prstGeom prst="rect">
+            <a:avLst/>
+          </a:prstGeom>
+          <a:solidFill>
+            <a:srgbClr val="333F50"/>
+          </a:solidFill>
+          <a:ln>
+            <a:solidFill>
+              <a:schemeClr val="bg1">
+                <a:lumMod val="95000"/>
+              </a:schemeClr>
+            </a:solidFill>
+          </a:ln>
+        </p:spPr>
+        <p:txBody>
+          <a:bodyPr anchor="ctr"/>
+          <a:lstStyle>
+            <a:lvl1pPr marL="228600" indent="-228600" algn="l" defTabSz="914400" rtl="0" eaLnBrk="1" latinLnBrk="0" hangingPunct="1">
+              <a:lnSpc>
+                <a:spcPct val="90000"/>
+              </a:lnSpc>
+              <a:spcBef>
+                <a:spcPts val="1000"/>
+              </a:spcBef>
+              <a:buFont typeface="Arial" panose="020B0604020202020204" pitchFamily="34" charset="0"/>
+              <a:buChar char="•"/>
+              <a:defRPr kumimoji="1" sz="2000" kern="1200">
+                <a:solidFill>
+                  <a:schemeClr val="tx1"/>
+                </a:solidFill>
+                <a:latin typeface="Meiryo UI" panose="020B0604030504040204" pitchFamily="50" charset="-128"/>
+                <a:ea typeface="Meiryo UI" panose="020B0604030504040204" pitchFamily="50" charset="-128"/>
+                <a:cs typeface="+mn-cs"/>
+              </a:defRPr>
+            </a:lvl1pPr>
+            <a:lvl2pPr marL="685800" indent="-228600" algn="l" defTabSz="914400" rtl="0" eaLnBrk="1" latinLnBrk="0" hangingPunct="1">
+              <a:lnSpc>
+                <a:spcPct val="90000"/>
+              </a:lnSpc>
+              <a:spcBef>
+                <a:spcPts val="500"/>
+              </a:spcBef>
+              <a:buFont typeface="Arial" panose="020B0604020202020204" pitchFamily="34" charset="0"/>
+              <a:buChar char="•"/>
+              <a:defRPr kumimoji="1" sz="1800" kern="1200">
+                <a:solidFill>
+                  <a:schemeClr val="tx1"/>
+                </a:solidFill>
+                <a:latin typeface="Meiryo UI" panose="020B0604030504040204" pitchFamily="50" charset="-128"/>
+                <a:ea typeface="Meiryo UI" panose="020B0604030504040204" pitchFamily="50" charset="-128"/>
+                <a:cs typeface="+mn-cs"/>
+              </a:defRPr>
+            </a:lvl2pPr>
+            <a:lvl3pPr marL="1143000" indent="-228600" algn="l" defTabSz="914400" rtl="0" eaLnBrk="1" latinLnBrk="0" hangingPunct="1">
+              <a:lnSpc>
+                <a:spcPct val="90000"/>
+              </a:lnSpc>
+              <a:spcBef>
+                <a:spcPts val="500"/>
+              </a:spcBef>
+              <a:buFont typeface="Arial" panose="020B0604020202020204" pitchFamily="34" charset="0"/>
+              <a:buChar char="•"/>
+              <a:defRPr kumimoji="1" sz="1600" kern="1200">
+                <a:solidFill>
+                  <a:schemeClr val="tx1"/>
+                </a:solidFill>
+                <a:latin typeface="Meiryo UI" panose="020B0604030504040204" pitchFamily="50" charset="-128"/>
+                <a:ea typeface="Meiryo UI" panose="020B0604030504040204" pitchFamily="50" charset="-128"/>
+                <a:cs typeface="+mn-cs"/>
+              </a:defRPr>
+            </a:lvl3pPr>
+            <a:lvl4pPr marL="1600200" indent="-228600" algn="l" defTabSz="914400" rtl="0" eaLnBrk="1" latinLnBrk="0" hangingPunct="1">
+              <a:lnSpc>
+                <a:spcPct val="90000"/>
+              </a:lnSpc>
+              <a:spcBef>
+                <a:spcPts val="500"/>
+              </a:spcBef>
+              <a:buFont typeface="Arial" panose="020B0604020202020204" pitchFamily="34" charset="0"/>
+              <a:buChar char="•"/>
+              <a:defRPr kumimoji="1" sz="1400" kern="1200">
+                <a:solidFill>
+                  <a:schemeClr val="tx1"/>
+                </a:solidFill>
+                <a:latin typeface="Meiryo UI" panose="020B0604030504040204" pitchFamily="50" charset="-128"/>
+                <a:ea typeface="Meiryo UI" panose="020B0604030504040204" pitchFamily="50" charset="-128"/>
+                <a:cs typeface="+mn-cs"/>
+              </a:defRPr>
+            </a:lvl4pPr>
+            <a:lvl5pPr marL="2057400" indent="-228600" algn="l" defTabSz="914400" rtl="0" eaLnBrk="1" latinLnBrk="0" hangingPunct="1">
+              <a:lnSpc>
+                <a:spcPct val="90000"/>
+              </a:lnSpc>
+              <a:spcBef>
+                <a:spcPts val="500"/>
+              </a:spcBef>
+              <a:buFont typeface="Arial" panose="020B0604020202020204" pitchFamily="34" charset="0"/>
+              <a:buChar char="•"/>
+              <a:defRPr kumimoji="1" sz="1200" kern="1200">
+                <a:solidFill>
+                  <a:schemeClr val="tx1"/>
+                </a:solidFill>
+                <a:latin typeface="Meiryo UI" panose="020B0604030504040204" pitchFamily="50" charset="-128"/>
+                <a:ea typeface="Meiryo UI" panose="020B0604030504040204" pitchFamily="50" charset="-128"/>
+                <a:cs typeface="+mn-cs"/>
+              </a:defRPr>
+            </a:lvl5pPr>
+            <a:lvl6pPr marL="2514600" indent="-228600" algn="l" defTabSz="914400" rtl="0" eaLnBrk="1" latinLnBrk="0" hangingPunct="1">
+              <a:lnSpc>
+                <a:spcPct val="90000"/>
+              </a:lnSpc>
+              <a:spcBef>
+                <a:spcPts val="500"/>
+              </a:spcBef>
+              <a:buFont typeface="Arial" panose="020B0604020202020204" pitchFamily="34" charset="0"/>
+              <a:buChar char="•"/>
+              <a:defRPr kumimoji="1" sz="1800" kern="1200">
+                <a:solidFill>
+                  <a:schemeClr val="tx1"/>
+                </a:solidFill>
+                <a:latin typeface="+mn-lt"/>
+                <a:ea typeface="+mn-ea"/>
+                <a:cs typeface="+mn-cs"/>
+              </a:defRPr>
+            </a:lvl6pPr>
+            <a:lvl7pPr marL="2971800" indent="-228600" algn="l" defTabSz="914400" rtl="0" eaLnBrk="1" latinLnBrk="0" hangingPunct="1">
+              <a:lnSpc>
+                <a:spcPct val="90000"/>
+              </a:lnSpc>
+              <a:spcBef>
+                <a:spcPts val="500"/>
+              </a:spcBef>
+              <a:buFont typeface="Arial" panose="020B0604020202020204" pitchFamily="34" charset="0"/>
+              <a:buChar char="•"/>
+              <a:defRPr kumimoji="1" sz="1800" kern="1200">
+                <a:solidFill>
+                  <a:schemeClr val="tx1"/>
+                </a:solidFill>
+                <a:latin typeface="+mn-lt"/>
+                <a:ea typeface="+mn-ea"/>
+                <a:cs typeface="+mn-cs"/>
+              </a:defRPr>
+            </a:lvl7pPr>
+            <a:lvl8pPr marL="3429000" indent="-228600" algn="l" defTabSz="914400" rtl="0" eaLnBrk="1" latinLnBrk="0" hangingPunct="1">
+              <a:lnSpc>
+                <a:spcPct val="90000"/>
+              </a:lnSpc>
+              <a:spcBef>
+                <a:spcPts val="500"/>
+              </a:spcBef>
+              <a:buFont typeface="Arial" panose="020B0604020202020204" pitchFamily="34" charset="0"/>
+              <a:buChar char="•"/>
+              <a:defRPr kumimoji="1" sz="1800" kern="1200">
+                <a:solidFill>
+                  <a:schemeClr val="tx1"/>
+                </a:solidFill>
+                <a:latin typeface="+mn-lt"/>
+                <a:ea typeface="+mn-ea"/>
+                <a:cs typeface="+mn-cs"/>
+              </a:defRPr>
+            </a:lvl8pPr>
+            <a:lvl9pPr marL="3886200" indent="-228600" algn="l" defTabSz="914400" rtl="0" eaLnBrk="1" latinLnBrk="0" hangingPunct="1">
+              <a:lnSpc>
+                <a:spcPct val="90000"/>
+              </a:lnSpc>
+              <a:spcBef>
+                <a:spcPts val="500"/>
+              </a:spcBef>
+              <a:buFont typeface="Arial" panose="020B0604020202020204" pitchFamily="34" charset="0"/>
+              <a:buChar char="•"/>
+              <a:defRPr kumimoji="1" sz="1800" kern="1200">
+                <a:solidFill>
+                  <a:schemeClr val="tx1"/>
+                </a:solidFill>
+                <a:latin typeface="+mn-lt"/>
+                <a:ea typeface="+mn-ea"/>
+                <a:cs typeface="+mn-cs"/>
+              </a:defRPr>
+            </a:lvl9pPr>
+          </a:lstStyle>
+          <a:p>
+            <a:pPr marL="0" indent="0">
+              <a:buNone/>
+            </a:pPr>
+            <a:endParaRPr lang="ja-JP" altLang="en-US" sz="1800" dirty="0">
+              <a:solidFill>
+                <a:schemeClr val="bg1"/>
+              </a:solidFill>
+              <a:latin typeface="ＭＳ Ｐゴシック" panose="020B0600070205080204" pitchFamily="50" charset="-128"/>
+              <a:ea typeface="ＭＳ Ｐゴシック" panose="020B0600070205080204" pitchFamily="50" charset="-128"/>
+            </a:endParaRPr>
+          </a:p>
+        </p:txBody>
+      </p:sp>
+      <p:sp>
+        <p:nvSpPr>
+          <p:cNvPr id="7" name="テキスト ボックス 6"/>
+          <p:cNvSpPr txBox="1"/>
+          <p:nvPr/>
+        </p:nvSpPr>
+        <p:spPr>
+          <a:xfrm>
+            <a:off x="595039" y="4328049"/>
+            <a:ext cx="5113900" cy="1200329"/>
+          </a:xfrm>
+          <a:prstGeom prst="rect">
+            <a:avLst/>
+          </a:prstGeom>
+          <a:noFill/>
+        </p:spPr>
+        <p:txBody>
+          <a:bodyPr wrap="none" rtlCol="0">
+            <a:spAutoFit/>
+          </a:bodyPr>
+          <a:lstStyle/>
+          <a:p>
+            <a:r>
+              <a:rPr lang="en-US" altLang="ja-JP" dirty="0">
+                <a:solidFill>
+                  <a:schemeClr val="bg1"/>
+                </a:solidFill>
+                <a:latin typeface="ＭＳ Ｐゴシック" panose="020B0600070205080204" pitchFamily="50" charset="-128"/>
+                <a:ea typeface="ＭＳ Ｐゴシック" panose="020B0600070205080204" pitchFamily="50" charset="-128"/>
+              </a:rPr>
+              <a:t>React.createElement</a:t>
+            </a:r>
+            <a:r>
+              <a:rPr lang="en-US" altLang="ja-JP" dirty="0" smtClean="0">
+                <a:solidFill>
+                  <a:schemeClr val="bg1"/>
+                </a:solidFill>
+                <a:latin typeface="ＭＳ Ｐゴシック" panose="020B0600070205080204" pitchFamily="50" charset="-128"/>
+                <a:ea typeface="ＭＳ Ｐゴシック" panose="020B0600070205080204" pitchFamily="50" charset="-128"/>
+              </a:rPr>
+              <a:t>(‘ul’, </a:t>
+            </a:r>
+            <a:r>
+              <a:rPr lang="en-US" altLang="ja-JP" dirty="0">
+                <a:solidFill>
+                  <a:schemeClr val="bg1"/>
+                </a:solidFill>
+                <a:latin typeface="ＭＳ Ｐゴシック" panose="020B0600070205080204" pitchFamily="50" charset="-128"/>
+                <a:ea typeface="ＭＳ Ｐゴシック" panose="020B0600070205080204" pitchFamily="50" charset="-128"/>
+              </a:rPr>
+              <a:t>{ className: </a:t>
+            </a:r>
+            <a:r>
+              <a:rPr lang="en-US" altLang="ja-JP" dirty="0" smtClean="0">
+                <a:solidFill>
+                  <a:schemeClr val="bg1"/>
+                </a:solidFill>
+                <a:latin typeface="ＭＳ Ｐゴシック" panose="020B0600070205080204" pitchFamily="50" charset="-128"/>
+                <a:ea typeface="ＭＳ Ｐゴシック" panose="020B0600070205080204" pitchFamily="50" charset="-128"/>
+              </a:rPr>
+              <a:t>‘sample’ </a:t>
+            </a:r>
+            <a:r>
+              <a:rPr lang="en-US" altLang="ja-JP" dirty="0">
+                <a:solidFill>
+                  <a:schemeClr val="bg1"/>
+                </a:solidFill>
+                <a:latin typeface="ＭＳ Ｐゴシック" panose="020B0600070205080204" pitchFamily="50" charset="-128"/>
+                <a:ea typeface="ＭＳ Ｐゴシック" panose="020B0600070205080204" pitchFamily="50" charset="-128"/>
+              </a:rPr>
+              <a:t>},</a:t>
+            </a:r>
+          </a:p>
+          <a:p>
+            <a:r>
+              <a:rPr lang="en-US" altLang="ja-JP" dirty="0">
+                <a:solidFill>
+                  <a:schemeClr val="bg1"/>
+                </a:solidFill>
+                <a:latin typeface="ＭＳ Ｐゴシック" panose="020B0600070205080204" pitchFamily="50" charset="-128"/>
+                <a:ea typeface="ＭＳ Ｐゴシック" panose="020B0600070205080204" pitchFamily="50" charset="-128"/>
+              </a:rPr>
+              <a:t>  React.createElement</a:t>
+            </a:r>
+            <a:r>
+              <a:rPr lang="en-US" altLang="ja-JP" dirty="0" smtClean="0">
+                <a:solidFill>
+                  <a:schemeClr val="bg1"/>
+                </a:solidFill>
+                <a:latin typeface="ＭＳ Ｐゴシック" panose="020B0600070205080204" pitchFamily="50" charset="-128"/>
+                <a:ea typeface="ＭＳ Ｐゴシック" panose="020B0600070205080204" pitchFamily="50" charset="-128"/>
+              </a:rPr>
+              <a:t>(‘li', </a:t>
+            </a:r>
+            <a:r>
+              <a:rPr lang="en-US" altLang="ja-JP" dirty="0">
+                <a:solidFill>
+                  <a:schemeClr val="bg1"/>
+                </a:solidFill>
+                <a:latin typeface="ＭＳ Ｐゴシック" panose="020B0600070205080204" pitchFamily="50" charset="-128"/>
+                <a:ea typeface="ＭＳ Ｐゴシック" panose="020B0600070205080204" pitchFamily="50" charset="-128"/>
+              </a:rPr>
+              <a:t>null, </a:t>
+            </a:r>
+            <a:r>
+              <a:rPr lang="en-US" altLang="ja-JP" dirty="0" smtClean="0">
+                <a:solidFill>
+                  <a:schemeClr val="bg1"/>
+                </a:solidFill>
+                <a:latin typeface="ＭＳ Ｐゴシック" panose="020B0600070205080204" pitchFamily="50" charset="-128"/>
+                <a:ea typeface="ＭＳ Ｐゴシック" panose="020B0600070205080204" pitchFamily="50" charset="-128"/>
+              </a:rPr>
+              <a:t>‘first text!!'),</a:t>
+            </a:r>
+            <a:endParaRPr lang="en-US" altLang="ja-JP" dirty="0">
+              <a:solidFill>
+                <a:schemeClr val="bg1"/>
+              </a:solidFill>
+              <a:latin typeface="ＭＳ Ｐゴシック" panose="020B0600070205080204" pitchFamily="50" charset="-128"/>
+              <a:ea typeface="ＭＳ Ｐゴシック" panose="020B0600070205080204" pitchFamily="50" charset="-128"/>
+            </a:endParaRPr>
+          </a:p>
+          <a:p>
+            <a:r>
+              <a:rPr lang="en-US" altLang="ja-JP" dirty="0" smtClean="0">
+                <a:solidFill>
+                  <a:schemeClr val="bg1"/>
+                </a:solidFill>
+                <a:latin typeface="ＭＳ Ｐゴシック" panose="020B0600070205080204" pitchFamily="50" charset="-128"/>
+                <a:ea typeface="ＭＳ Ｐゴシック" panose="020B0600070205080204" pitchFamily="50" charset="-128"/>
+              </a:rPr>
+              <a:t>  </a:t>
+            </a:r>
+            <a:r>
+              <a:rPr lang="en-US" altLang="ja-JP" dirty="0">
+                <a:solidFill>
+                  <a:schemeClr val="bg1"/>
+                </a:solidFill>
+                <a:latin typeface="ＭＳ Ｐゴシック" panose="020B0600070205080204" pitchFamily="50" charset="-128"/>
+                <a:ea typeface="ＭＳ Ｐゴシック" panose="020B0600070205080204" pitchFamily="50" charset="-128"/>
+              </a:rPr>
+              <a:t>React.createElement</a:t>
+            </a:r>
+            <a:r>
+              <a:rPr lang="en-US" altLang="ja-JP" dirty="0" smtClean="0">
+                <a:solidFill>
+                  <a:schemeClr val="bg1"/>
+                </a:solidFill>
+                <a:latin typeface="ＭＳ Ｐゴシック" panose="020B0600070205080204" pitchFamily="50" charset="-128"/>
+                <a:ea typeface="ＭＳ Ｐゴシック" panose="020B0600070205080204" pitchFamily="50" charset="-128"/>
+              </a:rPr>
+              <a:t>(‘li', </a:t>
+            </a:r>
+            <a:r>
+              <a:rPr lang="en-US" altLang="ja-JP" dirty="0">
+                <a:solidFill>
+                  <a:schemeClr val="bg1"/>
+                </a:solidFill>
+                <a:latin typeface="ＭＳ Ｐゴシック" panose="020B0600070205080204" pitchFamily="50" charset="-128"/>
+                <a:ea typeface="ＭＳ Ｐゴシック" panose="020B0600070205080204" pitchFamily="50" charset="-128"/>
+              </a:rPr>
+              <a:t>null, </a:t>
+            </a:r>
+            <a:r>
+              <a:rPr lang="en-US" altLang="ja-JP" dirty="0" smtClean="0">
+                <a:solidFill>
+                  <a:schemeClr val="bg1"/>
+                </a:solidFill>
+                <a:latin typeface="ＭＳ Ｐゴシック" panose="020B0600070205080204" pitchFamily="50" charset="-128"/>
+                <a:ea typeface="ＭＳ Ｐゴシック" panose="020B0600070205080204" pitchFamily="50" charset="-128"/>
+              </a:rPr>
+              <a:t>‘second text!!'),</a:t>
+            </a:r>
+            <a:endParaRPr lang="en-US" altLang="ja-JP" dirty="0">
+              <a:solidFill>
+                <a:schemeClr val="bg1"/>
+              </a:solidFill>
+              <a:latin typeface="ＭＳ Ｐゴシック" panose="020B0600070205080204" pitchFamily="50" charset="-128"/>
+              <a:ea typeface="ＭＳ Ｐゴシック" panose="020B0600070205080204" pitchFamily="50" charset="-128"/>
+            </a:endParaRPr>
+          </a:p>
+          <a:p>
+            <a:r>
+              <a:rPr lang="en-US" altLang="ja-JP" dirty="0" smtClean="0">
+                <a:solidFill>
+                  <a:schemeClr val="bg1"/>
+                </a:solidFill>
+                <a:latin typeface="ＭＳ Ｐゴシック" panose="020B0600070205080204" pitchFamily="50" charset="-128"/>
+                <a:ea typeface="ＭＳ Ｐゴシック" panose="020B0600070205080204" pitchFamily="50" charset="-128"/>
+              </a:rPr>
+              <a:t>)</a:t>
+            </a:r>
+            <a:endParaRPr lang="ja-JP" altLang="en-US" dirty="0">
+              <a:solidFill>
+                <a:schemeClr val="bg1"/>
+              </a:solidFill>
+              <a:latin typeface="ＭＳ Ｐゴシック" panose="020B0600070205080204" pitchFamily="50" charset="-128"/>
+              <a:ea typeface="ＭＳ Ｐゴシック" panose="020B0600070205080204" pitchFamily="50" charset="-128"/>
+            </a:endParaRPr>
+          </a:p>
+        </p:txBody>
+      </p:sp>
+      <p:cxnSp>
+        <p:nvCxnSpPr>
+          <p:cNvPr id="13" name="直線コネクタ 12"/>
+          <p:cNvCxnSpPr/>
+          <p:nvPr/>
+        </p:nvCxnSpPr>
+        <p:spPr>
+          <a:xfrm>
+            <a:off x="6127341" y="3710354"/>
+            <a:ext cx="0" cy="2251840"/>
+          </a:xfrm>
+          <a:prstGeom prst="line">
+            <a:avLst/>
+          </a:prstGeom>
+        </p:spPr>
+        <p:style>
+          <a:lnRef idx="1">
+            <a:schemeClr val="dk1"/>
+          </a:lnRef>
+          <a:fillRef idx="0">
+            <a:schemeClr val="dk1"/>
+          </a:fillRef>
+          <a:effectRef idx="0">
+            <a:schemeClr val="dk1"/>
+          </a:effectRef>
+          <a:fontRef idx="minor">
+            <a:schemeClr val="tx1"/>
+          </a:fontRef>
+        </p:style>
+      </p:cxnSp>
+      <p:sp>
+        <p:nvSpPr>
+          <p:cNvPr id="15" name="コンテンツ プレースホルダー 3"/>
+          <p:cNvSpPr txBox="1">
+            <a:spLocks/>
+          </p:cNvSpPr>
+          <p:nvPr/>
+        </p:nvSpPr>
+        <p:spPr>
+          <a:xfrm>
+            <a:off x="6460552" y="4310642"/>
+            <a:ext cx="5221655" cy="1641784"/>
+          </a:xfrm>
+          <a:prstGeom prst="rect">
+            <a:avLst/>
+          </a:prstGeom>
+          <a:solidFill>
+            <a:srgbClr val="333F50"/>
+          </a:solidFill>
+          <a:ln>
+            <a:solidFill>
+              <a:schemeClr val="bg1">
+                <a:lumMod val="95000"/>
+              </a:schemeClr>
+            </a:solidFill>
+          </a:ln>
+        </p:spPr>
+        <p:txBody>
+          <a:bodyPr anchor="ctr"/>
+          <a:lstStyle>
+            <a:lvl1pPr marL="228600" indent="-228600" algn="l" defTabSz="914400" rtl="0" eaLnBrk="1" latinLnBrk="0" hangingPunct="1">
+              <a:lnSpc>
+                <a:spcPct val="90000"/>
+              </a:lnSpc>
+              <a:spcBef>
+                <a:spcPts val="1000"/>
+              </a:spcBef>
+              <a:buFont typeface="Arial" panose="020B0604020202020204" pitchFamily="34" charset="0"/>
+              <a:buChar char="•"/>
+              <a:defRPr kumimoji="1" sz="2000" kern="1200">
+                <a:solidFill>
+                  <a:schemeClr val="tx1"/>
+                </a:solidFill>
+                <a:latin typeface="Meiryo UI" panose="020B0604030504040204" pitchFamily="50" charset="-128"/>
+                <a:ea typeface="Meiryo UI" panose="020B0604030504040204" pitchFamily="50" charset="-128"/>
+                <a:cs typeface="+mn-cs"/>
+              </a:defRPr>
+            </a:lvl1pPr>
+            <a:lvl2pPr marL="685800" indent="-228600" algn="l" defTabSz="914400" rtl="0" eaLnBrk="1" latinLnBrk="0" hangingPunct="1">
+              <a:lnSpc>
+                <a:spcPct val="90000"/>
+              </a:lnSpc>
+              <a:spcBef>
+                <a:spcPts val="500"/>
+              </a:spcBef>
+              <a:buFont typeface="Arial" panose="020B0604020202020204" pitchFamily="34" charset="0"/>
+              <a:buChar char="•"/>
+              <a:defRPr kumimoji="1" sz="1800" kern="1200">
+                <a:solidFill>
+                  <a:schemeClr val="tx1"/>
+                </a:solidFill>
+                <a:latin typeface="Meiryo UI" panose="020B0604030504040204" pitchFamily="50" charset="-128"/>
+                <a:ea typeface="Meiryo UI" panose="020B0604030504040204" pitchFamily="50" charset="-128"/>
+                <a:cs typeface="+mn-cs"/>
+              </a:defRPr>
+            </a:lvl2pPr>
+            <a:lvl3pPr marL="1143000" indent="-228600" algn="l" defTabSz="914400" rtl="0" eaLnBrk="1" latinLnBrk="0" hangingPunct="1">
+              <a:lnSpc>
+                <a:spcPct val="90000"/>
+              </a:lnSpc>
+              <a:spcBef>
+                <a:spcPts val="500"/>
+              </a:spcBef>
+              <a:buFont typeface="Arial" panose="020B0604020202020204" pitchFamily="34" charset="0"/>
+              <a:buChar char="•"/>
+              <a:defRPr kumimoji="1" sz="1600" kern="1200">
+                <a:solidFill>
+                  <a:schemeClr val="tx1"/>
+                </a:solidFill>
+                <a:latin typeface="Meiryo UI" panose="020B0604030504040204" pitchFamily="50" charset="-128"/>
+                <a:ea typeface="Meiryo UI" panose="020B0604030504040204" pitchFamily="50" charset="-128"/>
+                <a:cs typeface="+mn-cs"/>
+              </a:defRPr>
+            </a:lvl3pPr>
+            <a:lvl4pPr marL="1600200" indent="-228600" algn="l" defTabSz="914400" rtl="0" eaLnBrk="1" latinLnBrk="0" hangingPunct="1">
+              <a:lnSpc>
+                <a:spcPct val="90000"/>
+              </a:lnSpc>
+              <a:spcBef>
+                <a:spcPts val="500"/>
+              </a:spcBef>
+              <a:buFont typeface="Arial" panose="020B0604020202020204" pitchFamily="34" charset="0"/>
+              <a:buChar char="•"/>
+              <a:defRPr kumimoji="1" sz="1400" kern="1200">
+                <a:solidFill>
+                  <a:schemeClr val="tx1"/>
+                </a:solidFill>
+                <a:latin typeface="Meiryo UI" panose="020B0604030504040204" pitchFamily="50" charset="-128"/>
+                <a:ea typeface="Meiryo UI" panose="020B0604030504040204" pitchFamily="50" charset="-128"/>
+                <a:cs typeface="+mn-cs"/>
+              </a:defRPr>
+            </a:lvl4pPr>
+            <a:lvl5pPr marL="2057400" indent="-228600" algn="l" defTabSz="914400" rtl="0" eaLnBrk="1" latinLnBrk="0" hangingPunct="1">
+              <a:lnSpc>
+                <a:spcPct val="90000"/>
+              </a:lnSpc>
+              <a:spcBef>
+                <a:spcPts val="500"/>
+              </a:spcBef>
+              <a:buFont typeface="Arial" panose="020B0604020202020204" pitchFamily="34" charset="0"/>
+              <a:buChar char="•"/>
+              <a:defRPr kumimoji="1" sz="1200" kern="1200">
+                <a:solidFill>
+                  <a:schemeClr val="tx1"/>
+                </a:solidFill>
+                <a:latin typeface="Meiryo UI" panose="020B0604030504040204" pitchFamily="50" charset="-128"/>
+                <a:ea typeface="Meiryo UI" panose="020B0604030504040204" pitchFamily="50" charset="-128"/>
+                <a:cs typeface="+mn-cs"/>
+              </a:defRPr>
+            </a:lvl5pPr>
+            <a:lvl6pPr marL="2514600" indent="-228600" algn="l" defTabSz="914400" rtl="0" eaLnBrk="1" latinLnBrk="0" hangingPunct="1">
+              <a:lnSpc>
+                <a:spcPct val="90000"/>
+              </a:lnSpc>
+              <a:spcBef>
+                <a:spcPts val="500"/>
+              </a:spcBef>
+              <a:buFont typeface="Arial" panose="020B0604020202020204" pitchFamily="34" charset="0"/>
+              <a:buChar char="•"/>
+              <a:defRPr kumimoji="1" sz="1800" kern="1200">
+                <a:solidFill>
+                  <a:schemeClr val="tx1"/>
+                </a:solidFill>
+                <a:latin typeface="+mn-lt"/>
+                <a:ea typeface="+mn-ea"/>
+                <a:cs typeface="+mn-cs"/>
+              </a:defRPr>
+            </a:lvl6pPr>
+            <a:lvl7pPr marL="2971800" indent="-228600" algn="l" defTabSz="914400" rtl="0" eaLnBrk="1" latinLnBrk="0" hangingPunct="1">
+              <a:lnSpc>
+                <a:spcPct val="90000"/>
+              </a:lnSpc>
+              <a:spcBef>
+                <a:spcPts val="500"/>
+              </a:spcBef>
+              <a:buFont typeface="Arial" panose="020B0604020202020204" pitchFamily="34" charset="0"/>
+              <a:buChar char="•"/>
+              <a:defRPr kumimoji="1" sz="1800" kern="1200">
+                <a:solidFill>
+                  <a:schemeClr val="tx1"/>
+                </a:solidFill>
+                <a:latin typeface="+mn-lt"/>
+                <a:ea typeface="+mn-ea"/>
+                <a:cs typeface="+mn-cs"/>
+              </a:defRPr>
+            </a:lvl7pPr>
+            <a:lvl8pPr marL="3429000" indent="-228600" algn="l" defTabSz="914400" rtl="0" eaLnBrk="1" latinLnBrk="0" hangingPunct="1">
+              <a:lnSpc>
+                <a:spcPct val="90000"/>
+              </a:lnSpc>
+              <a:spcBef>
+                <a:spcPts val="500"/>
+              </a:spcBef>
+              <a:buFont typeface="Arial" panose="020B0604020202020204" pitchFamily="34" charset="0"/>
+              <a:buChar char="•"/>
+              <a:defRPr kumimoji="1" sz="1800" kern="1200">
+                <a:solidFill>
+                  <a:schemeClr val="tx1"/>
+                </a:solidFill>
+                <a:latin typeface="+mn-lt"/>
+                <a:ea typeface="+mn-ea"/>
+                <a:cs typeface="+mn-cs"/>
+              </a:defRPr>
+            </a:lvl8pPr>
+            <a:lvl9pPr marL="3886200" indent="-228600" algn="l" defTabSz="914400" rtl="0" eaLnBrk="1" latinLnBrk="0" hangingPunct="1">
+              <a:lnSpc>
+                <a:spcPct val="90000"/>
+              </a:lnSpc>
+              <a:spcBef>
+                <a:spcPts val="500"/>
+              </a:spcBef>
+              <a:buFont typeface="Arial" panose="020B0604020202020204" pitchFamily="34" charset="0"/>
+              <a:buChar char="•"/>
+              <a:defRPr kumimoji="1" sz="1800" kern="1200">
+                <a:solidFill>
+                  <a:schemeClr val="tx1"/>
+                </a:solidFill>
+                <a:latin typeface="+mn-lt"/>
+                <a:ea typeface="+mn-ea"/>
+                <a:cs typeface="+mn-cs"/>
+              </a:defRPr>
+            </a:lvl9pPr>
+          </a:lstStyle>
+          <a:p>
+            <a:pPr marL="0" indent="0">
+              <a:buNone/>
+            </a:pPr>
+            <a:endParaRPr lang="ja-JP" altLang="en-US" sz="1800" dirty="0">
+              <a:solidFill>
+                <a:schemeClr val="bg1"/>
+              </a:solidFill>
+              <a:latin typeface="ＭＳ Ｐゴシック" panose="020B0600070205080204" pitchFamily="50" charset="-128"/>
+              <a:ea typeface="ＭＳ Ｐゴシック" panose="020B0600070205080204" pitchFamily="50" charset="-128"/>
+            </a:endParaRPr>
+          </a:p>
+        </p:txBody>
+      </p:sp>
+      <p:sp>
+        <p:nvSpPr>
+          <p:cNvPr id="16" name="テキスト ボックス 15"/>
+          <p:cNvSpPr txBox="1"/>
+          <p:nvPr/>
+        </p:nvSpPr>
+        <p:spPr>
+          <a:xfrm>
+            <a:off x="6491907" y="4325323"/>
+            <a:ext cx="5105149" cy="1200329"/>
+          </a:xfrm>
+          <a:prstGeom prst="rect">
+            <a:avLst/>
+          </a:prstGeom>
+          <a:noFill/>
+        </p:spPr>
+        <p:txBody>
+          <a:bodyPr wrap="square" rtlCol="0">
+            <a:spAutoFit/>
+          </a:bodyPr>
+          <a:lstStyle/>
+          <a:p>
+            <a:r>
+              <a:rPr lang="en-US" altLang="ja-JP" dirty="0" smtClean="0">
+                <a:solidFill>
+                  <a:schemeClr val="bg1"/>
+                </a:solidFill>
+                <a:latin typeface="ＭＳ Ｐゴシック" panose="020B0600070205080204" pitchFamily="50" charset="-128"/>
+                <a:ea typeface="ＭＳ Ｐゴシック" panose="020B0600070205080204" pitchFamily="50" charset="-128"/>
+              </a:rPr>
+              <a:t>&lt;ul className=“sample”&gt;</a:t>
+            </a:r>
+          </a:p>
+          <a:p>
+            <a:r>
+              <a:rPr lang="en-US" altLang="ja-JP" dirty="0" smtClean="0">
+                <a:solidFill>
+                  <a:schemeClr val="bg1"/>
+                </a:solidFill>
+                <a:latin typeface="ＭＳ Ｐゴシック" panose="020B0600070205080204" pitchFamily="50" charset="-128"/>
+                <a:ea typeface="ＭＳ Ｐゴシック" panose="020B0600070205080204" pitchFamily="50" charset="-128"/>
+              </a:rPr>
+              <a:t>  &lt;li&gt;first text!!&lt;/li&gt;</a:t>
+            </a:r>
+          </a:p>
+          <a:p>
+            <a:r>
+              <a:rPr lang="en-US" altLang="ja-JP" dirty="0">
+                <a:solidFill>
+                  <a:schemeClr val="bg1"/>
+                </a:solidFill>
+                <a:latin typeface="ＭＳ Ｐゴシック" panose="020B0600070205080204" pitchFamily="50" charset="-128"/>
+                <a:ea typeface="ＭＳ Ｐゴシック" panose="020B0600070205080204" pitchFamily="50" charset="-128"/>
+              </a:rPr>
+              <a:t> </a:t>
+            </a:r>
+            <a:r>
+              <a:rPr lang="en-US" altLang="ja-JP" dirty="0" smtClean="0">
+                <a:solidFill>
+                  <a:schemeClr val="bg1"/>
+                </a:solidFill>
+                <a:latin typeface="ＭＳ Ｐゴシック" panose="020B0600070205080204" pitchFamily="50" charset="-128"/>
+                <a:ea typeface="ＭＳ Ｐゴシック" panose="020B0600070205080204" pitchFamily="50" charset="-128"/>
+              </a:rPr>
+              <a:t> &lt;li&gt;second text!!&lt;/li&gt;</a:t>
+            </a:r>
+          </a:p>
+          <a:p>
+            <a:r>
+              <a:rPr lang="en-US" altLang="ja-JP" dirty="0" smtClean="0">
+                <a:solidFill>
+                  <a:schemeClr val="bg1"/>
+                </a:solidFill>
+                <a:latin typeface="ＭＳ Ｐゴシック" panose="020B0600070205080204" pitchFamily="50" charset="-128"/>
+                <a:ea typeface="ＭＳ Ｐゴシック" panose="020B0600070205080204" pitchFamily="50" charset="-128"/>
+              </a:rPr>
+              <a:t>&lt;/ul&gt;</a:t>
+            </a:r>
+            <a:endParaRPr lang="ja-JP" altLang="en-US" dirty="0">
+              <a:solidFill>
+                <a:schemeClr val="bg1"/>
+              </a:solidFill>
+              <a:latin typeface="ＭＳ Ｐゴシック" panose="020B0600070205080204" pitchFamily="50" charset="-128"/>
+              <a:ea typeface="ＭＳ Ｐゴシック" panose="020B0600070205080204" pitchFamily="50" charset="-128"/>
+            </a:endParaRPr>
+          </a:p>
+        </p:txBody>
+      </p:sp>
+      <p:sp>
+        <p:nvSpPr>
+          <p:cNvPr id="5" name="正方形/長方形 4"/>
+          <p:cNvSpPr/>
+          <p:nvPr/>
+        </p:nvSpPr>
+        <p:spPr>
+          <a:xfrm>
+            <a:off x="2725613" y="5796981"/>
+            <a:ext cx="6849581" cy="734939"/>
+          </a:xfrm>
+          <a:prstGeom prst="rect">
+            <a:avLst/>
+          </a:prstGeom>
+          <a:solidFill>
+            <a:schemeClr val="bg1"/>
+          </a:solidFill>
+          <a:ln w="28575">
+            <a:solidFill>
+              <a:srgbClr val="3399FF"/>
+            </a:solidFill>
+          </a:ln>
+        </p:spPr>
+        <p:style>
+          <a:lnRef idx="2">
+            <a:schemeClr val="accent1">
+              <a:shade val="50000"/>
+            </a:schemeClr>
+          </a:lnRef>
+          <a:fillRef idx="1">
+            <a:schemeClr val="accent1"/>
+          </a:fillRef>
+          <a:effectRef idx="0">
+            <a:schemeClr val="accent1"/>
+          </a:effectRef>
+          <a:fontRef idx="minor">
+            <a:schemeClr val="lt1"/>
+          </a:fontRef>
+        </p:style>
+        <p:txBody>
+          <a:bodyPr rtlCol="0" anchor="ctr"/>
+          <a:lstStyle/>
+          <a:p>
+            <a:r>
+              <a:rPr lang="ja-JP" altLang="en-US" dirty="0" smtClean="0">
+                <a:solidFill>
+                  <a:schemeClr val="tx1">
+                    <a:lumMod val="85000"/>
+                    <a:lumOff val="15000"/>
+                  </a:schemeClr>
+                </a:solidFill>
+              </a:rPr>
+              <a:t>構造が複雑化してくると、</a:t>
+            </a:r>
+            <a:r>
+              <a:rPr lang="en-US" altLang="ja-JP" dirty="0" smtClean="0">
+                <a:solidFill>
+                  <a:schemeClr val="tx1">
+                    <a:lumMod val="85000"/>
+                    <a:lumOff val="15000"/>
+                  </a:schemeClr>
+                </a:solidFill>
+              </a:rPr>
+              <a:t>JSX</a:t>
+            </a:r>
+            <a:r>
+              <a:rPr lang="ja-JP" altLang="en-US" dirty="0" smtClean="0">
+                <a:solidFill>
+                  <a:schemeClr val="tx1">
+                    <a:lumMod val="85000"/>
+                    <a:lumOff val="15000"/>
+                  </a:schemeClr>
+                </a:solidFill>
+              </a:rPr>
+              <a:t>を使用した方が感覚的に分かりやすい！</a:t>
+            </a:r>
+            <a:endParaRPr lang="ja-JP" altLang="en-US" dirty="0">
+              <a:solidFill>
+                <a:schemeClr val="tx1">
+                  <a:lumMod val="85000"/>
+                  <a:lumOff val="15000"/>
+                </a:schemeClr>
+              </a:solidFill>
+            </a:endParaRPr>
+          </a:p>
+        </p:txBody>
+      </p:sp>
+      <p:sp>
+        <p:nvSpPr>
+          <p:cNvPr id="18" name="テキスト ボックス 17"/>
+          <p:cNvSpPr txBox="1"/>
+          <p:nvPr/>
+        </p:nvSpPr>
+        <p:spPr>
+          <a:xfrm>
+            <a:off x="431799" y="3719187"/>
+            <a:ext cx="1648208" cy="461665"/>
+          </a:xfrm>
+          <a:prstGeom prst="rect">
+            <a:avLst/>
+          </a:prstGeom>
+          <a:noFill/>
+        </p:spPr>
+        <p:txBody>
+          <a:bodyPr wrap="none" rtlCol="0">
+            <a:spAutoFit/>
+          </a:bodyPr>
+          <a:lstStyle/>
+          <a:p>
+            <a:r>
+              <a:rPr kumimoji="1" lang="en-US" altLang="ja-JP" sz="2400" dirty="0" smtClean="0"/>
+              <a:t>JSX</a:t>
+            </a:r>
+            <a:r>
+              <a:rPr lang="ja-JP" altLang="en-US" sz="2400" dirty="0"/>
+              <a:t>未使用</a:t>
+            </a:r>
+            <a:endParaRPr kumimoji="1" lang="ja-JP" altLang="en-US" sz="2400" dirty="0"/>
+          </a:p>
+        </p:txBody>
+      </p:sp>
+      <p:sp>
+        <p:nvSpPr>
+          <p:cNvPr id="19" name="テキスト ボックス 18"/>
+          <p:cNvSpPr txBox="1"/>
+          <p:nvPr/>
+        </p:nvSpPr>
+        <p:spPr>
+          <a:xfrm>
+            <a:off x="6381766" y="3725254"/>
+            <a:ext cx="1375698" cy="461665"/>
+          </a:xfrm>
+          <a:prstGeom prst="rect">
+            <a:avLst/>
+          </a:prstGeom>
+          <a:noFill/>
+        </p:spPr>
+        <p:txBody>
+          <a:bodyPr wrap="none" rtlCol="0">
+            <a:spAutoFit/>
+          </a:bodyPr>
+          <a:lstStyle/>
+          <a:p>
+            <a:r>
+              <a:rPr lang="en-US" altLang="ja-JP" sz="2400" dirty="0" smtClean="0"/>
+              <a:t>JSX</a:t>
+            </a:r>
+            <a:r>
+              <a:rPr lang="ja-JP" altLang="en-US" sz="2400" dirty="0"/>
+              <a:t>使用</a:t>
+            </a:r>
+            <a:endParaRPr kumimoji="1" lang="ja-JP" altLang="en-US" sz="2400" dirty="0"/>
+          </a:p>
+        </p:txBody>
+      </p:sp>
+      <p:sp>
+        <p:nvSpPr>
+          <p:cNvPr id="14" name="右矢印 13"/>
+          <p:cNvSpPr/>
+          <p:nvPr/>
+        </p:nvSpPr>
+        <p:spPr>
+          <a:xfrm>
+            <a:off x="5411881" y="4602647"/>
+            <a:ext cx="1208849" cy="910817"/>
+          </a:xfrm>
+          <a:prstGeom prst="rightArrow">
+            <a:avLst>
+              <a:gd name="adj1" fmla="val 50000"/>
+              <a:gd name="adj2" fmla="val 64084"/>
+            </a:avLst>
+          </a:prstGeom>
+          <a:solidFill>
+            <a:srgbClr val="3399FF"/>
+          </a:solidFill>
+        </p:spPr>
+        <p:style>
+          <a:lnRef idx="2">
+            <a:schemeClr val="accent1">
+              <a:shade val="50000"/>
+            </a:schemeClr>
+          </a:lnRef>
+          <a:fillRef idx="1">
+            <a:schemeClr val="accent1"/>
+          </a:fillRef>
+          <a:effectRef idx="0">
+            <a:schemeClr val="accent1"/>
+          </a:effectRef>
+          <a:fontRef idx="minor">
+            <a:schemeClr val="lt1"/>
+          </a:fontRef>
+        </p:style>
+        <p:txBody>
+          <a:bodyPr rtlCol="0" anchor="ctr"/>
+          <a:lstStyle/>
+          <a:p>
+            <a:pPr algn="ctr"/>
+            <a:endParaRPr kumimoji="1" lang="ja-JP" altLang="en-US"/>
+          </a:p>
+        </p:txBody>
+      </p:sp>
+    </p:spTree>
+    <p:extLst>
+      <p:ext uri="{BB962C8B-B14F-4D97-AF65-F5344CB8AC3E}">
+        <p14:creationId xmlns:p14="http://schemas.microsoft.com/office/powerpoint/2010/main" val="929160136"/>
       </p:ext>
     </p:extLst>
   </p:cSld>

--- a/doc/02_SlideShare/01.ネタ/２_Reactの基礎/2-1_Reactの基礎知識 ～JSX編～.pptx
+++ b/doc/02_SlideShare/01.ネタ/２_Reactの基礎/2-1_Reactの基礎知識 ～JSX編～.pptx
@@ -3090,73 +3090,73 @@
           </a:lstStyle>
           <a:p>
             <a:r>
-              <a:rPr lang="en-US" altLang="ja-JP" sz="2400" dirty="0" smtClean="0"/>
+              <a:rPr lang="en-US" altLang="ja-JP" dirty="0" smtClean="0"/>
               <a:t>JSX</a:t>
             </a:r>
             <a:r>
-              <a:rPr lang="ja-JP" altLang="en-US" sz="2400" dirty="0" smtClean="0"/>
+              <a:rPr lang="ja-JP" altLang="en-US" dirty="0" smtClean="0"/>
               <a:t>とは、</a:t>
             </a:r>
             <a:r>
-              <a:rPr lang="en-US" altLang="ja-JP" sz="2400" dirty="0" smtClean="0"/>
+              <a:rPr lang="en-US" altLang="ja-JP" dirty="0" smtClean="0"/>
               <a:t>React</a:t>
             </a:r>
             <a:r>
-              <a:rPr lang="ja-JP" altLang="en-US" sz="2400" dirty="0" smtClean="0"/>
+              <a:rPr lang="ja-JP" altLang="en-US" dirty="0" smtClean="0"/>
               <a:t>で</a:t>
             </a:r>
             <a:r>
-              <a:rPr lang="en-US" altLang="ja-JP" sz="2400" dirty="0" smtClean="0"/>
+              <a:rPr lang="en-US" altLang="ja-JP" dirty="0" smtClean="0"/>
               <a:t>DOM</a:t>
             </a:r>
             <a:r>
-              <a:rPr lang="ja-JP" altLang="en-US" sz="2400" dirty="0" smtClean="0"/>
+              <a:rPr lang="ja-JP" altLang="en-US" dirty="0" smtClean="0"/>
               <a:t>を</a:t>
             </a:r>
             <a:r>
-              <a:rPr lang="ja-JP" altLang="en-US" sz="2400" dirty="0"/>
+              <a:rPr lang="ja-JP" altLang="en-US" dirty="0"/>
               <a:t>出力するために</a:t>
             </a:r>
             <a:r>
-              <a:rPr lang="en-US" altLang="ja-JP" sz="2400" dirty="0"/>
+              <a:rPr lang="en-US" altLang="ja-JP" dirty="0"/>
               <a:t>Facebook</a:t>
             </a:r>
             <a:r>
-              <a:rPr lang="ja-JP" altLang="en-US" sz="2400" dirty="0"/>
+              <a:rPr lang="ja-JP" altLang="en-US" dirty="0"/>
               <a:t>が開発した独自</a:t>
             </a:r>
             <a:r>
-              <a:rPr lang="ja-JP" altLang="en-US" sz="2400" dirty="0" smtClean="0"/>
+              <a:rPr lang="ja-JP" altLang="en-US" dirty="0" smtClean="0"/>
               <a:t>構文です。</a:t>
             </a:r>
-            <a:endParaRPr lang="en-US" altLang="ja-JP" sz="2400" dirty="0" smtClean="0"/>
-          </a:p>
-          <a:p>
-            <a:r>
-              <a:rPr lang="en-US" altLang="ja-JP" sz="2400" dirty="0" smtClean="0"/>
+            <a:endParaRPr lang="en-US" altLang="ja-JP" dirty="0" smtClean="0"/>
+          </a:p>
+          <a:p>
+            <a:r>
+              <a:rPr lang="en-US" altLang="ja-JP" dirty="0" smtClean="0"/>
               <a:t>JSX</a:t>
             </a:r>
             <a:r>
-              <a:rPr lang="ja-JP" altLang="en-US" sz="2400" dirty="0" smtClean="0"/>
+              <a:rPr lang="ja-JP" altLang="en-US" dirty="0" smtClean="0"/>
               <a:t>の利用により、</a:t>
             </a:r>
             <a:r>
-              <a:rPr lang="en-US" altLang="ja-JP" sz="2400" dirty="0" smtClean="0"/>
+              <a:rPr lang="en-US" altLang="ja-JP" dirty="0" smtClean="0"/>
               <a:t>JavaScript</a:t>
             </a:r>
             <a:r>
-              <a:rPr lang="ja-JP" altLang="en-US" sz="2400" dirty="0" smtClean="0"/>
+              <a:rPr lang="ja-JP" altLang="en-US" dirty="0" smtClean="0"/>
               <a:t>コード中に</a:t>
             </a:r>
             <a:r>
-              <a:rPr lang="en-US" altLang="ja-JP" sz="2400" dirty="0" smtClean="0"/>
+              <a:rPr lang="en-US" altLang="ja-JP" dirty="0" smtClean="0"/>
               <a:t>HTML</a:t>
             </a:r>
             <a:r>
-              <a:rPr lang="ja-JP" altLang="en-US" sz="2400" dirty="0" smtClean="0"/>
+              <a:rPr lang="ja-JP" altLang="en-US" dirty="0" smtClean="0"/>
               <a:t>のようなタグ形式の記述を行うことができます。</a:t>
             </a:r>
-            <a:endParaRPr lang="en-US" altLang="ja-JP" sz="2400" dirty="0"/>
+            <a:endParaRPr lang="en-US" altLang="ja-JP" dirty="0"/>
           </a:p>
         </p:txBody>
       </p:sp>
@@ -3664,29 +3664,7 @@
                   </a:schemeClr>
                 </a:solidFill>
               </a:rPr>
-              <a:t>で記述された箇所は</a:t>
-            </a:r>
-            <a:r>
-              <a:rPr lang="ja-JP" altLang="en-US" dirty="0" smtClean="0">
-                <a:solidFill>
-                  <a:schemeClr val="tx1">
-                    <a:lumMod val="85000"/>
-                    <a:lumOff val="15000"/>
-                  </a:schemeClr>
-                </a:solidFill>
-              </a:rPr>
-              <a:t>、コンパイラ</a:t>
-            </a:r>
-            <a:r>
-              <a:rPr lang="ja-JP" altLang="en-US" dirty="0" smtClean="0">
-                <a:solidFill>
-                  <a:schemeClr val="tx1">
-                    <a:lumMod val="85000"/>
-                    <a:lumOff val="15000"/>
-                  </a:schemeClr>
-                </a:solidFill>
-              </a:rPr>
-              <a:t>によって最終的に</a:t>
+              <a:t>で記述された箇所は、コンパイラによって最終的に</a:t>
             </a:r>
             <a:r>
               <a:rPr lang="en-US" altLang="ja-JP" dirty="0" smtClean="0">
@@ -4386,14 +4364,14 @@
           </a:lstStyle>
           <a:p>
             <a:r>
-              <a:rPr lang="en-US" altLang="ja-JP" sz="2400" dirty="0" smtClean="0"/>
+              <a:rPr lang="en-US" altLang="ja-JP" dirty="0" smtClean="0"/>
               <a:t>JSX</a:t>
             </a:r>
             <a:r>
-              <a:rPr lang="ja-JP" altLang="en-US" sz="2400" dirty="0" smtClean="0"/>
+              <a:rPr lang="ja-JP" altLang="en-US" dirty="0" smtClean="0"/>
               <a:t>では、最上位の階層に複数の要素を並列配置することはできません。</a:t>
             </a:r>
-            <a:endParaRPr lang="en-US" altLang="ja-JP" sz="2400" dirty="0"/>
+            <a:endParaRPr lang="en-US" altLang="ja-JP" dirty="0"/>
           </a:p>
         </p:txBody>
       </p:sp>
@@ -7282,78 +7260,78 @@
           </a:lstStyle>
           <a:p>
             <a:r>
-              <a:rPr lang="en-US" altLang="ja-JP" sz="2400" dirty="0" smtClean="0"/>
+              <a:rPr lang="en-US" altLang="ja-JP" dirty="0" smtClean="0"/>
               <a:t>class</a:t>
             </a:r>
             <a:r>
-              <a:rPr lang="ja-JP" altLang="en-US" sz="2400" dirty="0"/>
+              <a:rPr lang="ja-JP" altLang="en-US" dirty="0"/>
               <a:t>属性や</a:t>
             </a:r>
             <a:r>
-              <a:rPr lang="en-US" altLang="ja-JP" sz="2400" dirty="0"/>
+              <a:rPr lang="en-US" altLang="ja-JP" dirty="0"/>
               <a:t>for</a:t>
             </a:r>
             <a:r>
-              <a:rPr lang="ja-JP" altLang="en-US" sz="2400" dirty="0"/>
+              <a:rPr lang="ja-JP" altLang="en-US" dirty="0"/>
               <a:t>属性は、</a:t>
             </a:r>
             <a:r>
-              <a:rPr lang="en-US" altLang="ja-JP" sz="2400" dirty="0"/>
+              <a:rPr lang="en-US" altLang="ja-JP" dirty="0"/>
               <a:t>JSX</a:t>
             </a:r>
             <a:r>
-              <a:rPr lang="ja-JP" altLang="en-US" sz="2400" dirty="0"/>
+              <a:rPr lang="ja-JP" altLang="en-US" dirty="0"/>
               <a:t>では使用することが</a:t>
             </a:r>
             <a:r>
-              <a:rPr lang="ja-JP" altLang="en-US" sz="2400" dirty="0" smtClean="0"/>
+              <a:rPr lang="ja-JP" altLang="en-US" dirty="0" smtClean="0"/>
               <a:t>できません。</a:t>
             </a:r>
-            <a:endParaRPr lang="en-US" altLang="ja-JP" sz="2400" dirty="0"/>
-          </a:p>
-          <a:p>
-            <a:r>
-              <a:rPr lang="en-US" altLang="ja-JP" sz="2400" dirty="0" smtClean="0"/>
+            <a:endParaRPr lang="en-US" altLang="ja-JP" dirty="0"/>
+          </a:p>
+          <a:p>
+            <a:r>
+              <a:rPr lang="en-US" altLang="ja-JP" dirty="0" smtClean="0"/>
               <a:t>(JSX</a:t>
             </a:r>
             <a:r>
-              <a:rPr lang="ja-JP" altLang="en-US" sz="2400" dirty="0" smtClean="0"/>
+              <a:rPr lang="ja-JP" altLang="en-US" dirty="0" smtClean="0"/>
               <a:t>はコンパイル後</a:t>
             </a:r>
             <a:r>
-              <a:rPr lang="en-US" altLang="ja-JP" sz="2400" dirty="0" smtClean="0"/>
+              <a:rPr lang="en-US" altLang="ja-JP" dirty="0" smtClean="0"/>
               <a:t>JavaScript</a:t>
             </a:r>
             <a:r>
-              <a:rPr lang="ja-JP" altLang="en-US" sz="2400" dirty="0" smtClean="0"/>
+              <a:rPr lang="ja-JP" altLang="en-US" dirty="0" smtClean="0"/>
               <a:t>となり、</a:t>
             </a:r>
             <a:r>
-              <a:rPr lang="en-US" altLang="ja-JP" sz="2400" dirty="0" smtClean="0"/>
+              <a:rPr lang="en-US" altLang="ja-JP" dirty="0" smtClean="0"/>
               <a:t>class</a:t>
             </a:r>
             <a:r>
-              <a:rPr lang="ja-JP" altLang="en-US" sz="2400" dirty="0" smtClean="0"/>
+              <a:rPr lang="ja-JP" altLang="en-US" dirty="0" smtClean="0"/>
               <a:t>や</a:t>
             </a:r>
             <a:r>
-              <a:rPr lang="en-US" altLang="ja-JP" sz="2400" dirty="0" smtClean="0"/>
+              <a:rPr lang="en-US" altLang="ja-JP" dirty="0" smtClean="0"/>
               <a:t>for</a:t>
             </a:r>
             <a:r>
-              <a:rPr lang="ja-JP" altLang="en-US" sz="2400" dirty="0" smtClean="0"/>
+              <a:rPr lang="ja-JP" altLang="en-US" dirty="0" smtClean="0"/>
               <a:t>は</a:t>
             </a:r>
             <a:r>
-              <a:rPr lang="en-US" altLang="ja-JP" sz="2400" dirty="0" smtClean="0"/>
+              <a:rPr lang="en-US" altLang="ja-JP" dirty="0" smtClean="0"/>
               <a:t>JavaScript</a:t>
             </a:r>
             <a:r>
-              <a:rPr lang="ja-JP" altLang="en-US" sz="2400" dirty="0" smtClean="0"/>
+              <a:rPr lang="ja-JP" altLang="en-US" dirty="0" smtClean="0"/>
               <a:t>の予約語であるため。</a:t>
             </a:r>
             <a:r>
-              <a:rPr lang="en-US" altLang="ja-JP" sz="2400" dirty="0" smtClean="0"/>
+              <a:rPr lang="en-US" altLang="ja-JP" dirty="0" smtClean="0"/>
               <a:t>)</a:t>
             </a:r>
           </a:p>
@@ -8005,22 +7983,22 @@
           </a:lstStyle>
           <a:p>
             <a:r>
-              <a:rPr lang="en-US" altLang="ja-JP" sz="2400" dirty="0" smtClean="0"/>
+              <a:rPr lang="en-US" altLang="ja-JP" dirty="0" smtClean="0"/>
               <a:t>style</a:t>
             </a:r>
             <a:r>
-              <a:rPr lang="ja-JP" altLang="en-US" sz="2400" dirty="0" smtClean="0"/>
+              <a:rPr lang="ja-JP" altLang="en-US" dirty="0" smtClean="0"/>
               <a:t>属性は、文字列ではなくオブジェクト記法</a:t>
             </a:r>
             <a:r>
-              <a:rPr lang="en-US" altLang="ja-JP" sz="2400" dirty="0" smtClean="0"/>
+              <a:rPr lang="en-US" altLang="ja-JP" dirty="0" smtClean="0"/>
               <a:t>{{…}}</a:t>
             </a:r>
             <a:r>
-              <a:rPr lang="ja-JP" altLang="en-US" sz="2400" dirty="0" smtClean="0"/>
+              <a:rPr lang="ja-JP" altLang="en-US" dirty="0" smtClean="0"/>
               <a:t>で指定する必要があります。</a:t>
             </a:r>
-            <a:endParaRPr lang="en-US" altLang="ja-JP" sz="2400" dirty="0"/>
+            <a:endParaRPr lang="en-US" altLang="ja-JP" dirty="0"/>
           </a:p>
         </p:txBody>
       </p:sp>
@@ -9242,30 +9220,30 @@
           </a:lstStyle>
           <a:p>
             <a:r>
-              <a:rPr lang="en-US" altLang="ja-JP" sz="2400" dirty="0" smtClean="0"/>
+              <a:rPr lang="en-US" altLang="ja-JP" dirty="0" smtClean="0"/>
               <a:t>JSX</a:t>
             </a:r>
             <a:r>
-              <a:rPr lang="ja-JP" altLang="en-US" sz="2400" dirty="0" smtClean="0"/>
+              <a:rPr lang="ja-JP" altLang="en-US" dirty="0" smtClean="0"/>
               <a:t>内で</a:t>
             </a:r>
             <a:r>
-              <a:rPr lang="en-US" altLang="ja-JP" sz="2400" dirty="0" smtClean="0"/>
+              <a:rPr lang="en-US" altLang="ja-JP" dirty="0" smtClean="0"/>
               <a:t>JavaScript</a:t>
             </a:r>
             <a:r>
-              <a:rPr lang="ja-JP" altLang="en-US" sz="2400" dirty="0" smtClean="0"/>
+              <a:rPr lang="ja-JP" altLang="en-US" dirty="0" smtClean="0"/>
               <a:t>コードを適用したい場合は、</a:t>
             </a:r>
             <a:r>
-              <a:rPr lang="en-US" altLang="ja-JP" sz="2400" dirty="0" smtClean="0"/>
+              <a:rPr lang="en-US" altLang="ja-JP" dirty="0" smtClean="0"/>
               <a:t>{}</a:t>
             </a:r>
             <a:r>
-              <a:rPr lang="ja-JP" altLang="en-US" sz="2400" dirty="0" smtClean="0"/>
+              <a:rPr lang="ja-JP" altLang="en-US" dirty="0" smtClean="0"/>
               <a:t>内に記述することで可能になります。</a:t>
             </a:r>
-            <a:endParaRPr lang="en-US" altLang="ja-JP" sz="2400" dirty="0"/>
+            <a:endParaRPr lang="en-US" altLang="ja-JP" dirty="0"/>
           </a:p>
         </p:txBody>
       </p:sp>
@@ -10580,73 +10558,9 @@
             </a:r>
             <a:r>
               <a:rPr kumimoji="1" lang="ja-JP" altLang="en-US" dirty="0" smtClean="0"/>
-              <a:t>－ </a:t>
-            </a:r>
-            <a:r>
-              <a:rPr kumimoji="1" lang="ja-JP" altLang="en-US" dirty="0" smtClean="0"/>
-              <a:t>補足</a:t>
+              <a:t>－ 補足</a:t>
             </a:r>
             <a:endParaRPr kumimoji="1" lang="ja-JP" altLang="en-US" dirty="0"/>
-          </a:p>
-        </p:txBody>
-      </p:sp>
-      <p:sp>
-        <p:nvSpPr>
-          <p:cNvPr id="3" name="テキスト ボックス 2"/>
-          <p:cNvSpPr txBox="1"/>
-          <p:nvPr/>
-        </p:nvSpPr>
-        <p:spPr>
-          <a:xfrm>
-            <a:off x="440591" y="2163890"/>
-            <a:ext cx="904415" cy="461665"/>
-          </a:xfrm>
-          <a:prstGeom prst="rect">
-            <a:avLst/>
-          </a:prstGeom>
-          <a:noFill/>
-        </p:spPr>
-        <p:txBody>
-          <a:bodyPr wrap="none" rtlCol="0">
-            <a:spAutoFit/>
-          </a:bodyPr>
-          <a:lstStyle/>
-          <a:p>
-            <a:r>
-              <a:rPr kumimoji="1" lang="en-US" altLang="ja-JP" sz="2400" dirty="0" smtClean="0"/>
-              <a:t>class</a:t>
-            </a:r>
-            <a:endParaRPr kumimoji="1" lang="ja-JP" altLang="en-US" sz="2400" dirty="0"/>
-          </a:p>
-        </p:txBody>
-      </p:sp>
-      <p:sp>
-        <p:nvSpPr>
-          <p:cNvPr id="23" name="テキスト ボックス 22"/>
-          <p:cNvSpPr txBox="1"/>
-          <p:nvPr/>
-        </p:nvSpPr>
-        <p:spPr>
-          <a:xfrm>
-            <a:off x="6390558" y="2169957"/>
-            <a:ext cx="596638" cy="461665"/>
-          </a:xfrm>
-          <a:prstGeom prst="rect">
-            <a:avLst/>
-          </a:prstGeom>
-          <a:noFill/>
-        </p:spPr>
-        <p:txBody>
-          <a:bodyPr wrap="none" rtlCol="0">
-            <a:spAutoFit/>
-          </a:bodyPr>
-          <a:lstStyle/>
-          <a:p>
-            <a:r>
-              <a:rPr kumimoji="1" lang="en-US" altLang="ja-JP" sz="2400" dirty="0" smtClean="0"/>
-              <a:t>for</a:t>
-            </a:r>
-            <a:endParaRPr kumimoji="1" lang="ja-JP" altLang="en-US" sz="2400" dirty="0"/>
           </a:p>
         </p:txBody>
       </p:sp>
@@ -10660,8 +10574,8 @@
         </p:nvSpPr>
         <p:spPr>
           <a:xfrm>
-            <a:off x="421964" y="1268361"/>
-            <a:ext cx="11379201" cy="2140685"/>
+            <a:off x="421964" y="1252081"/>
+            <a:ext cx="11379201" cy="1871332"/>
           </a:xfrm>
           <a:prstGeom prst="rect">
             <a:avLst/>
@@ -10797,75 +10711,83 @@
           </a:lstStyle>
           <a:p>
             <a:r>
-              <a:rPr lang="en-US" altLang="ja-JP" sz="2400" dirty="0" smtClean="0"/>
+              <a:rPr lang="en-US" altLang="ja-JP" dirty="0" smtClean="0"/>
               <a:t>React</a:t>
             </a:r>
             <a:r>
-              <a:rPr lang="ja-JP" altLang="en-US" sz="2400" dirty="0" smtClean="0"/>
+              <a:rPr lang="ja-JP" altLang="en-US" dirty="0" smtClean="0"/>
               <a:t>を利用する上で、</a:t>
             </a:r>
             <a:r>
-              <a:rPr lang="en-US" altLang="ja-JP" sz="2400" dirty="0" smtClean="0"/>
+              <a:rPr lang="en-US" altLang="ja-JP" dirty="0" smtClean="0"/>
               <a:t>JSX</a:t>
             </a:r>
             <a:r>
-              <a:rPr lang="ja-JP" altLang="en-US" sz="2400" dirty="0" smtClean="0"/>
+              <a:rPr lang="ja-JP" altLang="en-US" dirty="0" smtClean="0"/>
               <a:t>は必須ではありません。</a:t>
             </a:r>
-            <a:endParaRPr lang="en-US" altLang="ja-JP" sz="2400" dirty="0" smtClean="0"/>
-          </a:p>
-          <a:p>
-            <a:r>
-              <a:rPr lang="ja-JP" altLang="en-US" sz="2400" dirty="0" smtClean="0"/>
+            <a:endParaRPr lang="en-US" altLang="ja-JP" dirty="0" smtClean="0"/>
+          </a:p>
+          <a:p>
+            <a:r>
+              <a:rPr lang="ja-JP" altLang="en-US" dirty="0" smtClean="0"/>
               <a:t>タグ形式で記述せず、</a:t>
             </a:r>
             <a:r>
-              <a:rPr lang="en-US" altLang="ja-JP" sz="2400" dirty="0" smtClean="0"/>
+              <a:rPr lang="en-US" altLang="ja-JP" dirty="0" smtClean="0"/>
               <a:t>React.createElemenet</a:t>
             </a:r>
             <a:r>
-              <a:rPr lang="ja-JP" altLang="en-US" sz="2400" dirty="0" smtClean="0"/>
+              <a:rPr lang="ja-JP" altLang="en-US" dirty="0" smtClean="0"/>
               <a:t>と記述しても同じ内容がレンダリングされます。</a:t>
             </a:r>
-            <a:endParaRPr lang="en-US" altLang="ja-JP" sz="2400" dirty="0" smtClean="0"/>
-          </a:p>
-          <a:p>
-            <a:r>
-              <a:rPr lang="ja-JP" altLang="en-US" sz="2400" dirty="0" smtClean="0"/>
+            <a:endParaRPr lang="en-US" altLang="ja-JP" dirty="0" smtClean="0"/>
+          </a:p>
+          <a:p>
+            <a:r>
+              <a:rPr lang="ja-JP" altLang="en-US" dirty="0" smtClean="0"/>
               <a:t>しかし、要素数が複数であったり、階層が深くなるにつれ、</a:t>
             </a:r>
             <a:r>
-              <a:rPr lang="en-US" altLang="ja-JP" sz="2400" dirty="0" smtClean="0"/>
+              <a:rPr lang="en-US" altLang="ja-JP" dirty="0" smtClean="0"/>
               <a:t>JSX</a:t>
             </a:r>
             <a:r>
-              <a:rPr lang="ja-JP" altLang="en-US" sz="2400" dirty="0" smtClean="0"/>
-              <a:t>を使用しない書き方は</a:t>
-            </a:r>
-            <a:endParaRPr lang="en-US" altLang="ja-JP" sz="2400" dirty="0"/>
-          </a:p>
-          <a:p>
-            <a:r>
-              <a:rPr lang="ja-JP" altLang="en-US" sz="2400" dirty="0" smtClean="0"/>
-              <a:t>可読性が悪くなるため</a:t>
-            </a:r>
-            <a:r>
-              <a:rPr lang="ja-JP" altLang="en-US" sz="2400" dirty="0" smtClean="0"/>
-              <a:t>、基本的</a:t>
-            </a:r>
-            <a:r>
-              <a:rPr lang="ja-JP" altLang="en-US" sz="2400" dirty="0" smtClean="0"/>
+              <a:rPr lang="ja-JP" altLang="en-US" dirty="0" smtClean="0"/>
+              <a:t>を使用しない書き方</a:t>
+            </a:r>
+            <a:r>
+              <a:rPr lang="ja-JP" altLang="en-US" dirty="0" smtClean="0"/>
+              <a:t>は可読</a:t>
+            </a:r>
+            <a:r>
+              <a:rPr lang="ja-JP" altLang="en-US" dirty="0" smtClean="0"/>
+              <a:t>性が悪くなるため</a:t>
+            </a:r>
+            <a:r>
+              <a:rPr lang="ja-JP" altLang="en-US" dirty="0" smtClean="0"/>
+              <a:t>、</a:t>
+            </a:r>
+            <a:endParaRPr lang="en-US" altLang="ja-JP" dirty="0" smtClean="0"/>
+          </a:p>
+          <a:p>
+            <a:r>
+              <a:rPr lang="ja-JP" altLang="en-US" dirty="0" smtClean="0"/>
+              <a:t>基本的</a:t>
+            </a:r>
+            <a:r>
+              <a:rPr lang="ja-JP" altLang="en-US" dirty="0" smtClean="0"/>
               <a:t>に</a:t>
             </a:r>
             <a:r>
-              <a:rPr lang="en-US" altLang="ja-JP" sz="2400" dirty="0" smtClean="0"/>
+              <a:rPr lang="en-US" altLang="ja-JP" dirty="0" smtClean="0"/>
               <a:t>JSX</a:t>
             </a:r>
             <a:r>
-              <a:rPr lang="ja-JP" altLang="en-US" sz="2400" dirty="0" smtClean="0"/>
+              <a:rPr lang="ja-JP" altLang="en-US" dirty="0" smtClean="0"/>
               <a:t>を使用した方が良いでしょう。</a:t>
             </a:r>
-            <a:endParaRPr lang="en-US" altLang="ja-JP" sz="2400" dirty="0" smtClean="0"/>
+            <a:endParaRPr lang="en-US" altLang="ja-JP" dirty="0" smtClean="0"/>
           </a:p>
         </p:txBody>
       </p:sp>
@@ -10879,7 +10801,7 @@
         </p:nvSpPr>
         <p:spPr>
           <a:xfrm>
-            <a:off x="572476" y="4304575"/>
+            <a:off x="572476" y="4128729"/>
             <a:ext cx="5221655" cy="1647851"/>
           </a:xfrm>
           <a:prstGeom prst="rect">
@@ -11084,7 +11006,7 @@
         </p:nvSpPr>
         <p:spPr>
           <a:xfrm>
-            <a:off x="595039" y="4328049"/>
+            <a:off x="595039" y="4152203"/>
             <a:ext cx="5113900" cy="1200329"/>
           </a:xfrm>
           <a:prstGeom prst="rect">
@@ -11286,7 +11208,7 @@
         </p:nvCxnSpPr>
         <p:spPr>
           <a:xfrm>
-            <a:off x="6127341" y="3710354"/>
+            <a:off x="6127341" y="3534508"/>
             <a:ext cx="0" cy="2251840"/>
           </a:xfrm>
           <a:prstGeom prst="line">
@@ -11318,7 +11240,7 @@
         </p:nvSpPr>
         <p:spPr>
           <a:xfrm>
-            <a:off x="6460552" y="4310642"/>
+            <a:off x="6460552" y="4134796"/>
             <a:ext cx="5221655" cy="1641784"/>
           </a:xfrm>
           <a:prstGeom prst="rect">
@@ -11523,7 +11445,7 @@
         </p:nvSpPr>
         <p:spPr>
           <a:xfrm>
-            <a:off x="6491907" y="4325323"/>
+            <a:off x="6491907" y="4149477"/>
             <a:ext cx="5105149" cy="1200329"/>
           </a:xfrm>
           <a:prstGeom prst="rect">
@@ -11611,7 +11533,7 @@
         </p:nvSpPr>
         <p:spPr>
           <a:xfrm>
-            <a:off x="2725613" y="5796981"/>
+            <a:off x="2725613" y="5621135"/>
             <a:ext cx="6849581" cy="734939"/>
           </a:xfrm>
           <a:prstGeom prst="rect">
@@ -11698,7 +11620,7 @@
         </p:nvSpPr>
         <p:spPr>
           <a:xfrm>
-            <a:off x="431799" y="3719187"/>
+            <a:off x="431799" y="3543341"/>
             <a:ext cx="1648208" cy="461665"/>
           </a:xfrm>
           <a:prstGeom prst="rect">
@@ -11732,7 +11654,7 @@
         </p:nvSpPr>
         <p:spPr>
           <a:xfrm>
-            <a:off x="6381766" y="3725254"/>
+            <a:off x="6381766" y="3549408"/>
             <a:ext cx="1375698" cy="461665"/>
           </a:xfrm>
           <a:prstGeom prst="rect">
@@ -11766,7 +11688,7 @@
         </p:nvSpPr>
         <p:spPr>
           <a:xfrm>
-            <a:off x="5411881" y="4602647"/>
+            <a:off x="5411881" y="4426801"/>
             <a:ext cx="1208849" cy="910817"/>
           </a:xfrm>
           <a:prstGeom prst="rightArrow">
